--- a/Presentation/Anubhai Philip Scaria.pptx
+++ b/Presentation/Anubhai Philip Scaria.pptx
@@ -9,8 +9,8 @@
     <p:sldId id="258" r:id="rId3"/>
     <p:sldId id="259" r:id="rId4"/>
     <p:sldId id="261" r:id="rId5"/>
-    <p:sldId id="270" r:id="rId6"/>
-    <p:sldId id="271" r:id="rId7"/>
+    <p:sldId id="271" r:id="rId6"/>
+    <p:sldId id="270" r:id="rId7"/>
     <p:sldId id="262" r:id="rId8"/>
     <p:sldId id="293" r:id="rId9"/>
     <p:sldId id="286" r:id="rId10"/>
@@ -311,7 +311,7 @@
           <a:p>
             <a:fld id="{AA4941B3-EDFD-4AFE-A945-E6D3C846DCA7}" type="datetimeFigureOut">
               <a:rPr lang="en-US" smtClean="0"/>
-              <a:t>3/13/2013</a:t>
+              <a:t>3/14/2013</a:t>
             </a:fld>
             <a:endParaRPr lang="en-US"/>
           </a:p>
@@ -481,7 +481,7 @@
           <a:p>
             <a:fld id="{AA4941B3-EDFD-4AFE-A945-E6D3C846DCA7}" type="datetimeFigureOut">
               <a:rPr lang="en-US" smtClean="0"/>
-              <a:t>3/13/2013</a:t>
+              <a:t>3/14/2013</a:t>
             </a:fld>
             <a:endParaRPr lang="en-US"/>
           </a:p>
@@ -661,7 +661,7 @@
           <a:p>
             <a:fld id="{AA4941B3-EDFD-4AFE-A945-E6D3C846DCA7}" type="datetimeFigureOut">
               <a:rPr lang="en-US" smtClean="0"/>
-              <a:t>3/13/2013</a:t>
+              <a:t>3/14/2013</a:t>
             </a:fld>
             <a:endParaRPr lang="en-US"/>
           </a:p>
@@ -831,7 +831,7 @@
           <a:p>
             <a:fld id="{AA4941B3-EDFD-4AFE-A945-E6D3C846DCA7}" type="datetimeFigureOut">
               <a:rPr lang="en-US" smtClean="0"/>
-              <a:t>3/13/2013</a:t>
+              <a:t>3/14/2013</a:t>
             </a:fld>
             <a:endParaRPr lang="en-US"/>
           </a:p>
@@ -1077,7 +1077,7 @@
           <a:p>
             <a:fld id="{AA4941B3-EDFD-4AFE-A945-E6D3C846DCA7}" type="datetimeFigureOut">
               <a:rPr lang="en-US" smtClean="0"/>
-              <a:t>3/13/2013</a:t>
+              <a:t>3/14/2013</a:t>
             </a:fld>
             <a:endParaRPr lang="en-US"/>
           </a:p>
@@ -1365,7 +1365,7 @@
           <a:p>
             <a:fld id="{AA4941B3-EDFD-4AFE-A945-E6D3C846DCA7}" type="datetimeFigureOut">
               <a:rPr lang="en-US" smtClean="0"/>
-              <a:t>3/13/2013</a:t>
+              <a:t>3/14/2013</a:t>
             </a:fld>
             <a:endParaRPr lang="en-US"/>
           </a:p>
@@ -1787,7 +1787,7 @@
           <a:p>
             <a:fld id="{AA4941B3-EDFD-4AFE-A945-E6D3C846DCA7}" type="datetimeFigureOut">
               <a:rPr lang="en-US" smtClean="0"/>
-              <a:t>3/13/2013</a:t>
+              <a:t>3/14/2013</a:t>
             </a:fld>
             <a:endParaRPr lang="en-US"/>
           </a:p>
@@ -1905,7 +1905,7 @@
           <a:p>
             <a:fld id="{AA4941B3-EDFD-4AFE-A945-E6D3C846DCA7}" type="datetimeFigureOut">
               <a:rPr lang="en-US" smtClean="0"/>
-              <a:t>3/13/2013</a:t>
+              <a:t>3/14/2013</a:t>
             </a:fld>
             <a:endParaRPr lang="en-US"/>
           </a:p>
@@ -2000,7 +2000,7 @@
           <a:p>
             <a:fld id="{AA4941B3-EDFD-4AFE-A945-E6D3C846DCA7}" type="datetimeFigureOut">
               <a:rPr lang="en-US" smtClean="0"/>
-              <a:t>3/13/2013</a:t>
+              <a:t>3/14/2013</a:t>
             </a:fld>
             <a:endParaRPr lang="en-US"/>
           </a:p>
@@ -2277,7 +2277,7 @@
           <a:p>
             <a:fld id="{AA4941B3-EDFD-4AFE-A945-E6D3C846DCA7}" type="datetimeFigureOut">
               <a:rPr lang="en-US" smtClean="0"/>
-              <a:t>3/13/2013</a:t>
+              <a:t>3/14/2013</a:t>
             </a:fld>
             <a:endParaRPr lang="en-US"/>
           </a:p>
@@ -2530,7 +2530,7 @@
           <a:p>
             <a:fld id="{AA4941B3-EDFD-4AFE-A945-E6D3C846DCA7}" type="datetimeFigureOut">
               <a:rPr lang="en-US" smtClean="0"/>
-              <a:t>3/13/2013</a:t>
+              <a:t>3/14/2013</a:t>
             </a:fld>
             <a:endParaRPr lang="en-US"/>
           </a:p>
@@ -2743,7 +2743,7 @@
           <a:p>
             <a:fld id="{AA4941B3-EDFD-4AFE-A945-E6D3C846DCA7}" type="datetimeFigureOut">
               <a:rPr lang="en-US" smtClean="0"/>
-              <a:t>3/13/2013</a:t>
+              <a:t>3/14/2013</a:t>
             </a:fld>
             <a:endParaRPr lang="en-US"/>
           </a:p>
@@ -3436,8 +3436,8 @@
           <a:lstStyle/>
           <a:p>
             <a:r>
-              <a:rPr lang="en-US" smtClean="0"/>
-              <a:t>Event argument prediction</a:t>
+              <a:rPr lang="en-US" dirty="0" smtClean="0"/>
+              <a:t>Event argument (entity) prediction</a:t>
             </a:r>
             <a:endParaRPr lang="en-US" dirty="0"/>
           </a:p>
@@ -3544,7 +3544,7 @@
           <a:p>
             <a:r>
               <a:rPr lang="en-US" dirty="0" smtClean="0"/>
-              <a:t>Entity prediction for trigger</a:t>
+              <a:t>Argument prediction for trigger</a:t>
             </a:r>
             <a:endParaRPr lang="en-US" dirty="0"/>
           </a:p>
@@ -6576,8 +6576,8 @@
         </p:nvSpPr>
         <p:spPr>
           <a:xfrm>
-            <a:off x="838200" y="3124201"/>
-            <a:ext cx="838201" cy="2341931"/>
+            <a:off x="838200" y="3543300"/>
+            <a:ext cx="838201" cy="1922832"/>
           </a:xfrm>
           <a:prstGeom prst="trapezoid">
             <a:avLst>
@@ -6866,12 +6866,12 @@
         </p:nvCxnSpPr>
         <p:spPr>
           <a:xfrm rot="16200000" flipV="1">
-            <a:off x="1374730" y="3006773"/>
-            <a:ext cx="457199" cy="692056"/>
+            <a:off x="1584279" y="3216322"/>
+            <a:ext cx="38100" cy="692056"/>
           </a:xfrm>
           <a:prstGeom prst="curvedConnector3">
             <a:avLst>
-              <a:gd name="adj1" fmla="val 329246"/>
+              <a:gd name="adj1" fmla="val 2669811"/>
             </a:avLst>
           </a:prstGeom>
           <a:ln w="69850">
@@ -6950,7 +6950,7 @@
           <a:p>
             <a:r>
               <a:rPr lang="en-US" dirty="0" smtClean="0"/>
-              <a:t>Entity prediction for trigger</a:t>
+              <a:t>Argument prediction for trigger</a:t>
             </a:r>
             <a:endParaRPr lang="en-US" dirty="0"/>
           </a:p>
@@ -11632,12 +11632,22 @@
         </p:nvSpPr>
         <p:spPr/>
         <p:txBody>
-          <a:bodyPr/>
+          <a:bodyPr>
+            <a:normAutofit fontScale="90000"/>
+          </a:bodyPr>
           <a:lstStyle/>
           <a:p>
             <a:r>
               <a:rPr lang="en-US" dirty="0" smtClean="0"/>
-              <a:t>Dependency parse</a:t>
+              <a:t>Can we use entities </a:t>
+            </a:r>
+            <a:r>
+              <a:rPr lang="en-US" dirty="0"/>
+              <a:t>to predict </a:t>
+            </a:r>
+            <a:r>
+              <a:rPr lang="en-US" dirty="0" smtClean="0"/>
+              <a:t>triggers?</a:t>
             </a:r>
             <a:endParaRPr lang="en-US" dirty="0"/>
           </a:p>
@@ -11668,7 +11678,7 @@
         </p:blipFill>
         <p:spPr bwMode="auto">
           <a:xfrm>
-            <a:off x="457200" y="2971800"/>
+            <a:off x="457200" y="3429000"/>
             <a:ext cx="8229600" cy="1109692"/>
           </a:xfrm>
           <a:prstGeom prst="rect">
@@ -11707,7 +11717,7 @@
         </p:nvSpPr>
         <p:spPr>
           <a:xfrm>
-            <a:off x="3200400" y="2667000"/>
+            <a:off x="3200400" y="3124200"/>
             <a:ext cx="1066800" cy="1981200"/>
           </a:xfrm>
           <a:prstGeom prst="rect">
@@ -11752,7 +11762,7 @@
         </p:nvSpPr>
         <p:spPr>
           <a:xfrm>
-            <a:off x="304800" y="2667000"/>
+            <a:off x="304800" y="3124200"/>
             <a:ext cx="2133600" cy="1981200"/>
           </a:xfrm>
           <a:prstGeom prst="rect">
@@ -11800,7 +11810,7 @@
         </p:nvCxnSpPr>
         <p:spPr>
           <a:xfrm rot="5400000" flipH="1" flipV="1">
-            <a:off x="2552700" y="1485900"/>
+            <a:off x="2552700" y="1943100"/>
             <a:ext cx="12700" cy="2362200"/>
           </a:xfrm>
           <a:prstGeom prst="curvedConnector3">
@@ -11827,6 +11837,35 @@
           </a:fontRef>
         </p:style>
       </p:cxnSp>
+      <p:sp>
+        <p:nvSpPr>
+          <p:cNvPr id="4" name="Rectangle 3"/>
+          <p:cNvSpPr/>
+          <p:nvPr/>
+        </p:nvSpPr>
+        <p:spPr>
+          <a:xfrm>
+            <a:off x="3392085" y="1676400"/>
+            <a:ext cx="2506968" cy="461665"/>
+          </a:xfrm>
+          <a:prstGeom prst="rect">
+            <a:avLst/>
+          </a:prstGeom>
+        </p:spPr>
+        <p:txBody>
+          <a:bodyPr wrap="none">
+            <a:spAutoFit/>
+          </a:bodyPr>
+          <a:lstStyle/>
+          <a:p>
+            <a:r>
+              <a:rPr lang="en-US" sz="2400" dirty="0" smtClean="0"/>
+              <a:t>Dependency parse</a:t>
+            </a:r>
+            <a:endParaRPr lang="en-US" sz="2400" dirty="0"/>
+          </a:p>
+        </p:txBody>
+      </p:sp>
     </p:spTree>
     <p:extLst>
       <p:ext uri="{BB962C8B-B14F-4D97-AF65-F5344CB8AC3E}">
@@ -12068,8 +12107,12 @@
           <a:p>
             <a:pPr algn="ctr"/>
             <a:r>
+              <a:rPr lang="en-US" dirty="0"/>
+              <a:t>Argument Prediction </a:t>
+            </a:r>
+            <a:r>
               <a:rPr lang="en-US" dirty="0" smtClean="0"/>
-              <a:t>Event Argument Prediction</a:t>
+              <a:t>for Trigger</a:t>
             </a:r>
             <a:endParaRPr lang="en-US" dirty="0"/>
           </a:p>
@@ -12171,8 +12214,12 @@
           <a:p>
             <a:pPr algn="ctr"/>
             <a:r>
+              <a:rPr lang="en-US" smtClean="0"/>
+              <a:t>Event Trigger </a:t>
+            </a:r>
+            <a:r>
               <a:rPr lang="en-US" dirty="0" smtClean="0"/>
-              <a:t>Event Trigger Prediction</a:t>
+              <a:t>Prediction</a:t>
             </a:r>
             <a:endParaRPr lang="en-US" dirty="0"/>
           </a:p>
@@ -12316,7 +12363,7 @@
             <a:pPr algn="ctr"/>
             <a:r>
               <a:rPr lang="en-US" dirty="0" smtClean="0"/>
-              <a:t>Event Argument Prediction</a:t>
+              <a:t>Argument Prediction for Trigger</a:t>
             </a:r>
             <a:endParaRPr lang="en-US" dirty="0"/>
           </a:p>
@@ -12359,10 +12406,9 @@
           <a:p>
             <a:pPr algn="ctr"/>
             <a:r>
-              <a:rPr lang="en-US" dirty="0" smtClean="0"/>
-              <a:t>Argument Prediction</a:t>
-            </a:r>
-            <a:endParaRPr lang="en-US" dirty="0"/>
+              <a:rPr lang="en-US" dirty="0"/>
+              <a:t>Entity Prediction</a:t>
+            </a:r>
           </a:p>
         </p:txBody>
       </p:sp>
@@ -12656,8 +12702,12 @@
           <a:p>
             <a:pPr algn="ctr"/>
             <a:r>
+              <a:rPr lang="en-US" dirty="0"/>
+              <a:t>Argument Prediction </a:t>
+            </a:r>
+            <a:r>
               <a:rPr lang="en-US" dirty="0" smtClean="0"/>
-              <a:t>Event Argument Prediction</a:t>
+              <a:t>for Trigger</a:t>
             </a:r>
             <a:endParaRPr lang="en-US" dirty="0"/>
           </a:p>
@@ -12700,10 +12750,9 @@
           <a:p>
             <a:pPr algn="ctr"/>
             <a:r>
-              <a:rPr lang="en-US" dirty="0" smtClean="0"/>
-              <a:t>Argument Prediction</a:t>
-            </a:r>
-            <a:endParaRPr lang="en-US" dirty="0"/>
+              <a:rPr lang="en-US" dirty="0"/>
+              <a:t>Entity Prediction</a:t>
+            </a:r>
           </a:p>
         </p:txBody>
       </p:sp>
@@ -12765,7 +12814,7 @@
         </p:nvSpPr>
         <p:spPr>
           <a:xfrm>
-            <a:off x="4343400" y="3771900"/>
+            <a:off x="4343400" y="3810000"/>
             <a:ext cx="1676400" cy="457200"/>
           </a:xfrm>
           <a:prstGeom prst="rightArrow">
@@ -12801,7 +12850,7 @@
             <a:pPr algn="ctr"/>
             <a:r>
               <a:rPr lang="en-US" dirty="0" smtClean="0"/>
-              <a:t>arguments</a:t>
+              <a:t>entities</a:t>
             </a:r>
             <a:endParaRPr lang="en-US" dirty="0"/>
           </a:p>
@@ -12845,7 +12894,7 @@
             <a:pPr algn="ctr"/>
             <a:r>
               <a:rPr lang="en-US" dirty="0" smtClean="0"/>
-              <a:t>Iterative Event Trigger Prediction</a:t>
+              <a:t>Event Trigger Prediction</a:t>
             </a:r>
             <a:endParaRPr lang="en-US" dirty="0"/>
           </a:p>
@@ -12859,7 +12908,7 @@
         </p:nvSpPr>
         <p:spPr>
           <a:xfrm>
-            <a:off x="7010400" y="2895600"/>
+            <a:off x="6934200" y="2895600"/>
             <a:ext cx="304800" cy="609600"/>
           </a:xfrm>
           <a:prstGeom prst="downArrow">
@@ -13137,12 +13186,12 @@
           <a:p>
             <a:pPr algn="ctr"/>
             <a:r>
+              <a:rPr lang="en-US" dirty="0"/>
+              <a:t>Argument Prediction </a:t>
+            </a:r>
+            <a:r>
               <a:rPr lang="en-US" dirty="0" smtClean="0"/>
-              <a:t>Argument </a:t>
-            </a:r>
-            <a:r>
-              <a:rPr lang="en-US" dirty="0" smtClean="0"/>
-              <a:t>Prediction</a:t>
+              <a:t>for Trigger</a:t>
             </a:r>
             <a:endParaRPr lang="en-US" dirty="0"/>
           </a:p>
@@ -13186,7 +13235,7 @@
             <a:pPr algn="ctr"/>
             <a:r>
               <a:rPr lang="en-US" dirty="0" smtClean="0"/>
-              <a:t>Argument Prediction</a:t>
+              <a:t>Entity Prediction</a:t>
             </a:r>
             <a:endParaRPr lang="en-US" dirty="0"/>
           </a:p>
@@ -13250,7 +13299,7 @@
         </p:nvSpPr>
         <p:spPr>
           <a:xfrm>
-            <a:off x="4343400" y="3771900"/>
+            <a:off x="4343400" y="3810000"/>
             <a:ext cx="1676400" cy="457200"/>
           </a:xfrm>
           <a:prstGeom prst="rightArrow">
@@ -13286,7 +13335,7 @@
             <a:pPr algn="ctr"/>
             <a:r>
               <a:rPr lang="en-US" dirty="0" smtClean="0"/>
-              <a:t>arguments</a:t>
+              <a:t>entities</a:t>
             </a:r>
             <a:endParaRPr lang="en-US" dirty="0"/>
           </a:p>
@@ -13330,7 +13379,7 @@
             <a:pPr algn="ctr"/>
             <a:r>
               <a:rPr lang="en-US" dirty="0" smtClean="0"/>
-              <a:t>Iterative Event Trigger Prediction</a:t>
+              <a:t>Event Trigger Prediction</a:t>
             </a:r>
             <a:endParaRPr lang="en-US" dirty="0"/>
           </a:p>
@@ -13344,7 +13393,7 @@
         </p:nvSpPr>
         <p:spPr>
           <a:xfrm>
-            <a:off x="7010400" y="2895600"/>
+            <a:off x="6705600" y="2895600"/>
             <a:ext cx="304800" cy="609600"/>
           </a:xfrm>
           <a:prstGeom prst="downArrow">
@@ -13384,107 +13433,13 @@
       </p:sp>
       <p:sp>
         <p:nvSpPr>
-          <p:cNvPr id="12" name="Rounded Rectangle 11"/>
-          <p:cNvSpPr/>
-          <p:nvPr/>
-        </p:nvSpPr>
-        <p:spPr>
-          <a:xfrm>
-            <a:off x="6097438" y="5181600"/>
-            <a:ext cx="2133600" cy="990600"/>
-          </a:xfrm>
-          <a:prstGeom prst="roundRect">
-            <a:avLst/>
-          </a:prstGeom>
-        </p:spPr>
-        <p:style>
-          <a:lnRef idx="2">
-            <a:schemeClr val="accent1">
-              <a:shade val="50000"/>
-            </a:schemeClr>
-          </a:lnRef>
-          <a:fillRef idx="1">
-            <a:schemeClr val="accent1"/>
-          </a:fillRef>
-          <a:effectRef idx="0">
-            <a:schemeClr val="accent1"/>
-          </a:effectRef>
-          <a:fontRef idx="minor">
-            <a:schemeClr val="lt1"/>
-          </a:fontRef>
-        </p:style>
-        <p:txBody>
-          <a:bodyPr rtlCol="0" anchor="ctr"/>
-          <a:lstStyle/>
-          <a:p>
-            <a:pPr algn="ctr"/>
-            <a:r>
-              <a:rPr lang="en-US" dirty="0" smtClean="0"/>
-              <a:t>Iterative Argument </a:t>
-            </a:r>
-            <a:r>
-              <a:rPr lang="en-US" dirty="0" smtClean="0"/>
-              <a:t>Prediction</a:t>
-            </a:r>
-            <a:endParaRPr lang="en-US" dirty="0"/>
-          </a:p>
-        </p:txBody>
-      </p:sp>
-      <p:sp>
-        <p:nvSpPr>
-          <p:cNvPr id="14" name="Down Arrow 13"/>
-          <p:cNvSpPr/>
-          <p:nvPr/>
-        </p:nvSpPr>
-        <p:spPr>
-          <a:xfrm>
-            <a:off x="7086600" y="4533900"/>
-            <a:ext cx="304800" cy="647700"/>
-          </a:xfrm>
-          <a:prstGeom prst="downArrow">
-            <a:avLst/>
-          </a:prstGeom>
-          <a:solidFill>
-            <a:schemeClr val="tx2">
-              <a:lumMod val="40000"/>
-              <a:lumOff val="60000"/>
-            </a:schemeClr>
-          </a:solidFill>
-        </p:spPr>
-        <p:style>
-          <a:lnRef idx="2">
-            <a:schemeClr val="accent1">
-              <a:shade val="50000"/>
-            </a:schemeClr>
-          </a:lnRef>
-          <a:fillRef idx="1">
-            <a:schemeClr val="accent1"/>
-          </a:fillRef>
-          <a:effectRef idx="0">
-            <a:schemeClr val="accent1"/>
-          </a:effectRef>
-          <a:fontRef idx="minor">
-            <a:schemeClr val="lt1"/>
-          </a:fontRef>
-        </p:style>
-        <p:txBody>
-          <a:bodyPr rtlCol="0" anchor="ctr"/>
-          <a:lstStyle/>
-          <a:p>
-            <a:pPr algn="ctr"/>
-            <a:endParaRPr lang="en-US"/>
-          </a:p>
-        </p:txBody>
-      </p:sp>
-      <p:sp>
-        <p:nvSpPr>
           <p:cNvPr id="16" name="Down Arrow 15"/>
           <p:cNvSpPr/>
           <p:nvPr/>
         </p:nvSpPr>
         <p:spPr>
           <a:xfrm rot="10800000">
-            <a:off x="7543801" y="4533899"/>
+            <a:off x="7239000" y="2846717"/>
             <a:ext cx="304800" cy="647700"/>
           </a:xfrm>
           <a:prstGeom prst="downArrow">
@@ -13623,7 +13578,7 @@
           <a:p>
             <a:r>
               <a:rPr lang="en-US" dirty="0" smtClean="0"/>
-              <a:t>Argument Prediction</a:t>
+              <a:t>Entity Prediction</a:t>
             </a:r>
             <a:endParaRPr lang="en-US" dirty="0"/>
           </a:p>
@@ -17225,7 +17180,7 @@
           <a:p>
             <a:r>
               <a:rPr lang="en-US" dirty="0" smtClean="0"/>
-              <a:t>Iterative trigger prediction</a:t>
+              <a:t>Iterative optimization</a:t>
             </a:r>
             <a:endParaRPr lang="en-US" dirty="0"/>
           </a:p>
@@ -20597,15 +20552,14 @@
         <p:spPr/>
         <p:txBody>
           <a:bodyPr>
-            <a:normAutofit fontScale="90000"/>
+            <a:normAutofit/>
           </a:bodyPr>
           <a:lstStyle/>
           <a:p>
             <a:r>
-              <a:rPr lang="en-US" dirty="0" smtClean="0"/>
-              <a:t>Example of representation - Triggers</a:t>
-            </a:r>
-            <a:endParaRPr lang="en-US" dirty="0"/>
+              <a:rPr lang="en-US" dirty="0"/>
+              <a:t>Iterative optimization</a:t>
+            </a:r>
           </a:p>
         </p:txBody>
       </p:sp>
@@ -21038,51 +20992,6 @@
                 <a:schemeClr val="tx1"/>
               </a:solidFill>
             </a:endParaRPr>
-          </a:p>
-        </p:txBody>
-      </p:sp>
-      <p:sp>
-        <p:nvSpPr>
-          <p:cNvPr id="15" name="Rectangle 14"/>
-          <p:cNvSpPr/>
-          <p:nvPr/>
-        </p:nvSpPr>
-        <p:spPr>
-          <a:xfrm>
-            <a:off x="752474" y="1201340"/>
-            <a:ext cx="7553326" cy="369332"/>
-          </a:xfrm>
-          <a:prstGeom prst="rect">
-            <a:avLst/>
-          </a:prstGeom>
-        </p:spPr>
-        <p:txBody>
-          <a:bodyPr wrap="square">
-            <a:spAutoFit/>
-          </a:bodyPr>
-          <a:lstStyle/>
-          <a:p>
-            <a:r>
-              <a:rPr lang="en-US" dirty="0" smtClean="0"/>
-              <a:t>The </a:t>
-            </a:r>
-            <a:r>
-              <a:rPr lang="en-US" dirty="0"/>
-              <a:t>hydrogen bonds are broken, and the </a:t>
-            </a:r>
-            <a:r>
-              <a:rPr lang="en-US" dirty="0" smtClean="0"/>
-              <a:t>two chains</a:t>
-            </a:r>
-            <a:r>
-              <a:rPr lang="en-US" dirty="0"/>
-              <a:t> unwind and </a:t>
-            </a:r>
-            <a:r>
-              <a:rPr lang="en-US" dirty="0" smtClean="0"/>
-              <a:t>separate.</a:t>
-            </a:r>
-            <a:endParaRPr lang="en-US" dirty="0"/>
           </a:p>
         </p:txBody>
       </p:sp>
@@ -24191,15 +24100,14 @@
         <p:spPr/>
         <p:txBody>
           <a:bodyPr>
-            <a:normAutofit fontScale="90000"/>
+            <a:normAutofit/>
           </a:bodyPr>
           <a:lstStyle/>
           <a:p>
             <a:r>
-              <a:rPr lang="en-US" dirty="0" smtClean="0"/>
-              <a:t>Example of representation - Triggers</a:t>
-            </a:r>
-            <a:endParaRPr lang="en-US" dirty="0"/>
+              <a:rPr lang="en-US" dirty="0"/>
+              <a:t>Iterative optimization</a:t>
+            </a:r>
           </a:p>
         </p:txBody>
       </p:sp>
@@ -24632,51 +24540,6 @@
                 <a:schemeClr val="tx1"/>
               </a:solidFill>
             </a:endParaRPr>
-          </a:p>
-        </p:txBody>
-      </p:sp>
-      <p:sp>
-        <p:nvSpPr>
-          <p:cNvPr id="15" name="Rectangle 14"/>
-          <p:cNvSpPr/>
-          <p:nvPr/>
-        </p:nvSpPr>
-        <p:spPr>
-          <a:xfrm>
-            <a:off x="752474" y="1201340"/>
-            <a:ext cx="7553326" cy="369332"/>
-          </a:xfrm>
-          <a:prstGeom prst="rect">
-            <a:avLst/>
-          </a:prstGeom>
-        </p:spPr>
-        <p:txBody>
-          <a:bodyPr wrap="square">
-            <a:spAutoFit/>
-          </a:bodyPr>
-          <a:lstStyle/>
-          <a:p>
-            <a:r>
-              <a:rPr lang="en-US" dirty="0" smtClean="0"/>
-              <a:t>The </a:t>
-            </a:r>
-            <a:r>
-              <a:rPr lang="en-US" dirty="0"/>
-              <a:t>hydrogen bonds are broken, and the </a:t>
-            </a:r>
-            <a:r>
-              <a:rPr lang="en-US" dirty="0" smtClean="0"/>
-              <a:t>two chains</a:t>
-            </a:r>
-            <a:r>
-              <a:rPr lang="en-US" dirty="0"/>
-              <a:t> unwind and </a:t>
-            </a:r>
-            <a:r>
-              <a:rPr lang="en-US" dirty="0" smtClean="0"/>
-              <a:t>separate.</a:t>
-            </a:r>
-            <a:endParaRPr lang="en-US" dirty="0"/>
           </a:p>
         </p:txBody>
       </p:sp>
@@ -27746,9 +27609,10 @@
               <a:buNone/>
             </a:pPr>
             <a:r>
-              <a:rPr lang="en-US" dirty="0" smtClean="0"/>
-              <a:t>Event prediction</a:t>
-            </a:r>
+              <a:rPr lang="en-US" smtClean="0"/>
+              <a:t>Event trigger prediction</a:t>
+            </a:r>
+            <a:endParaRPr lang="en-US" dirty="0" smtClean="0"/>
           </a:p>
           <a:p>
             <a:endParaRPr lang="en-US" dirty="0"/>
@@ -27771,7 +27635,7 @@
             </a:pPr>
             <a:r>
               <a:rPr lang="en-US" dirty="0" smtClean="0"/>
-              <a:t>Event-Entity prediction</a:t>
+              <a:t>Event argument prediction</a:t>
             </a:r>
             <a:endParaRPr lang="en-US" dirty="0"/>
           </a:p>
@@ -27786,14 +27650,14 @@
           <p:nvPr>
             <p:extLst>
               <p:ext uri="{D42A27DB-BD31-4B8C-83A1-F6EECF244321}">
-                <p14:modId xmlns:p14="http://schemas.microsoft.com/office/powerpoint/2010/main" val="750709915"/>
+                <p14:modId xmlns:p14="http://schemas.microsoft.com/office/powerpoint/2010/main" val="662349476"/>
               </p:ext>
             </p:extLst>
           </p:nvPr>
         </p:nvGraphicFramePr>
         <p:xfrm>
-          <a:off x="1447800" y="2164080"/>
-          <a:ext cx="6096000" cy="1483360"/>
+          <a:off x="914400" y="2164080"/>
+          <a:ext cx="6629400" cy="1483360"/>
         </p:xfrm>
         <a:graphic>
           <a:graphicData uri="http://schemas.openxmlformats.org/drawingml/2006/table">
@@ -27802,10 +27666,10 @@
                 <a:tableStyleId>{5C22544A-7EE6-4342-B048-85BDC9FD1C3A}</a:tableStyleId>
               </a:tblPr>
               <a:tblGrid>
-                <a:gridCol w="1524000"/>
-                <a:gridCol w="1524000"/>
-                <a:gridCol w="1524000"/>
-                <a:gridCol w="1524000"/>
+                <a:gridCol w="1828800"/>
+                <a:gridCol w="1600200"/>
+                <a:gridCol w="1543050"/>
+                <a:gridCol w="1657350"/>
               </a:tblGrid>
               <a:tr h="370840">
                 <a:tc>
@@ -27813,6 +27677,7 @@
                     <a:bodyPr/>
                     <a:lstStyle/>
                     <a:p>
+                      <a:pPr algn="ctr"/>
                       <a:r>
                         <a:rPr lang="en-US" dirty="0" smtClean="0"/>
                         <a:t>Type</a:t>
@@ -27827,6 +27692,7 @@
                     <a:bodyPr/>
                     <a:lstStyle/>
                     <a:p>
+                      <a:pPr algn="ctr"/>
                       <a:r>
                         <a:rPr lang="en-US" dirty="0" smtClean="0"/>
                         <a:t>Precision</a:t>
@@ -27841,6 +27707,7 @@
                     <a:bodyPr/>
                     <a:lstStyle/>
                     <a:p>
+                      <a:pPr algn="ctr"/>
                       <a:r>
                         <a:rPr lang="en-US" dirty="0" smtClean="0"/>
                         <a:t>Recall</a:t>
@@ -27855,6 +27722,7 @@
                     <a:bodyPr/>
                     <a:lstStyle/>
                     <a:p>
+                      <a:pPr algn="ctr"/>
                       <a:r>
                         <a:rPr lang="en-US" dirty="0" smtClean="0"/>
                         <a:t>F1</a:t>
@@ -27885,9 +27753,10 @@
                     <a:bodyPr/>
                     <a:lstStyle/>
                     <a:p>
+                      <a:pPr algn="ctr"/>
                       <a:r>
                         <a:rPr lang="en-US" dirty="0" smtClean="0"/>
-                        <a:t>0.466</a:t>
+                        <a:t>0.47</a:t>
                       </a:r>
                       <a:endParaRPr lang="en-US" dirty="0"/>
                     </a:p>
@@ -27899,9 +27768,10 @@
                     <a:bodyPr/>
                     <a:lstStyle/>
                     <a:p>
+                      <a:pPr algn="ctr"/>
                       <a:r>
                         <a:rPr lang="en-US" dirty="0" smtClean="0"/>
-                        <a:t>0.734</a:t>
+                        <a:t>0.73</a:t>
                       </a:r>
                       <a:endParaRPr lang="en-US" dirty="0"/>
                     </a:p>
@@ -27913,9 +27783,10 @@
                     <a:bodyPr/>
                     <a:lstStyle/>
                     <a:p>
+                      <a:pPr algn="ctr"/>
                       <a:r>
                         <a:rPr lang="en-US" dirty="0" smtClean="0"/>
-                        <a:t>0.567</a:t>
+                        <a:t>0.57</a:t>
                       </a:r>
                       <a:endParaRPr lang="en-US" dirty="0"/>
                     </a:p>
@@ -27930,8 +27801,8 @@
                     <a:lstStyle/>
                     <a:p>
                       <a:r>
-                        <a:rPr lang="en-US" dirty="0" smtClean="0"/>
-                        <a:t>Basic</a:t>
+                        <a:rPr lang="en-US" dirty="0" err="1" smtClean="0"/>
+                        <a:t>MaxEnt_Basic</a:t>
                       </a:r>
                       <a:endParaRPr lang="en-US" dirty="0"/>
                     </a:p>
@@ -27943,9 +27814,10 @@
                     <a:bodyPr/>
                     <a:lstStyle/>
                     <a:p>
+                      <a:pPr algn="ctr"/>
                       <a:r>
                         <a:rPr lang="en-US" dirty="0" smtClean="0"/>
-                        <a:t>0.690</a:t>
+                        <a:t>0.69</a:t>
                       </a:r>
                       <a:endParaRPr lang="en-US" dirty="0"/>
                     </a:p>
@@ -27957,9 +27829,10 @@
                     <a:bodyPr/>
                     <a:lstStyle/>
                     <a:p>
+                      <a:pPr algn="ctr"/>
                       <a:r>
                         <a:rPr lang="en-US" dirty="0" smtClean="0"/>
-                        <a:t>0.656</a:t>
+                        <a:t>0.66</a:t>
                       </a:r>
                       <a:endParaRPr lang="en-US" dirty="0"/>
                     </a:p>
@@ -27971,9 +27844,10 @@
                     <a:bodyPr/>
                     <a:lstStyle/>
                     <a:p>
+                      <a:pPr algn="ctr"/>
                       <a:r>
                         <a:rPr lang="en-US" dirty="0" smtClean="0"/>
-                        <a:t>0.668</a:t>
+                        <a:t>0.67</a:t>
                       </a:r>
                       <a:endParaRPr lang="en-US" dirty="0"/>
                     </a:p>
@@ -27988,8 +27862,8 @@
                     <a:lstStyle/>
                     <a:p>
                       <a:r>
-                        <a:rPr lang="en-US" dirty="0" smtClean="0"/>
-                        <a:t>Iterative</a:t>
+                        <a:rPr lang="en-US" dirty="0" err="1" smtClean="0"/>
+                        <a:t>MaxEnt_Iterative</a:t>
                       </a:r>
                       <a:endParaRPr lang="en-US" dirty="0"/>
                     </a:p>
@@ -28001,6 +27875,11 @@
                     <a:bodyPr/>
                     <a:lstStyle/>
                     <a:p>
+                      <a:pPr algn="ctr"/>
+                      <a:r>
+                        <a:rPr lang="en-US" dirty="0" smtClean="0"/>
+                        <a:t>0.72</a:t>
+                      </a:r>
                       <a:endParaRPr lang="en-US" dirty="0"/>
                     </a:p>
                   </a:txBody>
@@ -28011,6 +27890,11 @@
                     <a:bodyPr/>
                     <a:lstStyle/>
                     <a:p>
+                      <a:pPr algn="ctr"/>
+                      <a:r>
+                        <a:rPr lang="en-US" dirty="0" smtClean="0"/>
+                        <a:t>0.70</a:t>
+                      </a:r>
                       <a:endParaRPr lang="en-US" dirty="0"/>
                     </a:p>
                   </a:txBody>
@@ -28021,6 +27905,11 @@
                     <a:bodyPr/>
                     <a:lstStyle/>
                     <a:p>
+                      <a:pPr algn="ctr"/>
+                      <a:r>
+                        <a:rPr lang="en-US" dirty="0" smtClean="0"/>
+                        <a:t>0.71</a:t>
+                      </a:r>
                       <a:endParaRPr lang="en-US" dirty="0"/>
                     </a:p>
                   </a:txBody>
@@ -28033,21 +27922,21 @@
       </p:graphicFrame>
       <p:graphicFrame>
         <p:nvGraphicFramePr>
-          <p:cNvPr id="5" name="Table 4"/>
+          <p:cNvPr id="6" name="Table 5"/>
           <p:cNvGraphicFramePr>
             <a:graphicFrameLocks noGrp="1"/>
           </p:cNvGraphicFramePr>
           <p:nvPr>
             <p:extLst>
               <p:ext uri="{D42A27DB-BD31-4B8C-83A1-F6EECF244321}">
-                <p14:modId xmlns:p14="http://schemas.microsoft.com/office/powerpoint/2010/main" val="1860276953"/>
+                <p14:modId xmlns:p14="http://schemas.microsoft.com/office/powerpoint/2010/main" val="3932961774"/>
               </p:ext>
             </p:extLst>
           </p:nvPr>
         </p:nvGraphicFramePr>
         <p:xfrm>
-          <a:off x="1447800" y="4648200"/>
-          <a:ext cx="6096000" cy="1483360"/>
+          <a:off x="914400" y="4572000"/>
+          <a:ext cx="6629400" cy="1483360"/>
         </p:xfrm>
         <a:graphic>
           <a:graphicData uri="http://schemas.openxmlformats.org/drawingml/2006/table">
@@ -28056,10 +27945,10 @@
                 <a:tableStyleId>{5C22544A-7EE6-4342-B048-85BDC9FD1C3A}</a:tableStyleId>
               </a:tblPr>
               <a:tblGrid>
-                <a:gridCol w="1524000"/>
-                <a:gridCol w="1524000"/>
-                <a:gridCol w="1524000"/>
-                <a:gridCol w="1524000"/>
+                <a:gridCol w="1828800"/>
+                <a:gridCol w="1600200"/>
+                <a:gridCol w="1543050"/>
+                <a:gridCol w="1657350"/>
               </a:tblGrid>
               <a:tr h="370840">
                 <a:tc>
@@ -28067,6 +27956,7 @@
                     <a:bodyPr/>
                     <a:lstStyle/>
                     <a:p>
+                      <a:pPr algn="ctr"/>
                       <a:r>
                         <a:rPr lang="en-US" dirty="0" smtClean="0"/>
                         <a:t>Type</a:t>
@@ -28081,6 +27971,7 @@
                     <a:bodyPr/>
                     <a:lstStyle/>
                     <a:p>
+                      <a:pPr algn="ctr"/>
                       <a:r>
                         <a:rPr lang="en-US" dirty="0" smtClean="0"/>
                         <a:t>Precision</a:t>
@@ -28095,6 +27986,7 @@
                     <a:bodyPr/>
                     <a:lstStyle/>
                     <a:p>
+                      <a:pPr algn="ctr"/>
                       <a:r>
                         <a:rPr lang="en-US" dirty="0" smtClean="0"/>
                         <a:t>Recall</a:t>
@@ -28109,6 +28001,7 @@
                     <a:bodyPr/>
                     <a:lstStyle/>
                     <a:p>
+                      <a:pPr algn="ctr"/>
                       <a:r>
                         <a:rPr lang="en-US" dirty="0" smtClean="0"/>
                         <a:t>F1</a:t>
@@ -28139,6 +28032,11 @@
                     <a:bodyPr/>
                     <a:lstStyle/>
                     <a:p>
+                      <a:pPr algn="ctr"/>
+                      <a:r>
+                        <a:rPr lang="en-US" dirty="0" smtClean="0"/>
+                        <a:t>0.44</a:t>
+                      </a:r>
                       <a:endParaRPr lang="en-US" dirty="0"/>
                     </a:p>
                   </a:txBody>
@@ -28149,7 +28047,12 @@
                     <a:bodyPr/>
                     <a:lstStyle/>
                     <a:p>
-                      <a:endParaRPr lang="en-US"/>
+                      <a:pPr algn="ctr"/>
+                      <a:r>
+                        <a:rPr lang="en-US" dirty="0" smtClean="0"/>
+                        <a:t>0.53</a:t>
+                      </a:r>
+                      <a:endParaRPr lang="en-US" dirty="0"/>
                     </a:p>
                   </a:txBody>
                   <a:tcPr/>
@@ -28159,6 +28062,11 @@
                     <a:bodyPr/>
                     <a:lstStyle/>
                     <a:p>
+                      <a:pPr algn="ctr"/>
+                      <a:r>
+                        <a:rPr lang="en-US" dirty="0" smtClean="0"/>
+                        <a:t>0.48</a:t>
+                      </a:r>
                       <a:endParaRPr lang="en-US" dirty="0"/>
                     </a:p>
                   </a:txBody>
@@ -28172,8 +28080,8 @@
                     <a:lstStyle/>
                     <a:p>
                       <a:r>
-                        <a:rPr lang="en-US" dirty="0" smtClean="0"/>
-                        <a:t>Basic</a:t>
+                        <a:rPr lang="en-US" dirty="0" err="1" smtClean="0"/>
+                        <a:t>MaxEnt_Basic</a:t>
                       </a:r>
                       <a:endParaRPr lang="en-US" dirty="0"/>
                     </a:p>
@@ -28185,7 +28093,12 @@
                     <a:bodyPr/>
                     <a:lstStyle/>
                     <a:p>
-                      <a:endParaRPr lang="en-US"/>
+                      <a:pPr algn="ctr"/>
+                      <a:r>
+                        <a:rPr lang="en-US" dirty="0" smtClean="0"/>
+                        <a:t>0.56</a:t>
+                      </a:r>
+                      <a:endParaRPr lang="en-US" dirty="0"/>
                     </a:p>
                   </a:txBody>
                   <a:tcPr/>
@@ -28195,7 +28108,12 @@
                     <a:bodyPr/>
                     <a:lstStyle/>
                     <a:p>
-                      <a:endParaRPr lang="en-US"/>
+                      <a:pPr algn="ctr"/>
+                      <a:r>
+                        <a:rPr lang="en-US" dirty="0" smtClean="0"/>
+                        <a:t>0.45</a:t>
+                      </a:r>
+                      <a:endParaRPr lang="en-US" dirty="0"/>
                     </a:p>
                   </a:txBody>
                   <a:tcPr/>
@@ -28205,7 +28123,12 @@
                     <a:bodyPr/>
                     <a:lstStyle/>
                     <a:p>
-                      <a:endParaRPr lang="en-US"/>
+                      <a:pPr algn="ctr"/>
+                      <a:r>
+                        <a:rPr lang="en-US" smtClean="0"/>
+                        <a:t>0.50</a:t>
+                      </a:r>
+                      <a:endParaRPr lang="en-US" dirty="0"/>
                     </a:p>
                   </a:txBody>
                   <a:tcPr/>
@@ -28218,8 +28141,8 @@
                     <a:lstStyle/>
                     <a:p>
                       <a:r>
-                        <a:rPr lang="en-US" dirty="0" smtClean="0"/>
-                        <a:t>Iterative</a:t>
+                        <a:rPr lang="en-US" dirty="0" err="1" smtClean="0"/>
+                        <a:t>MaxEnt_Iterative</a:t>
                       </a:r>
                       <a:endParaRPr lang="en-US" dirty="0"/>
                     </a:p>
@@ -28231,16 +28154,11 @@
                     <a:bodyPr/>
                     <a:lstStyle/>
                     <a:p>
-                      <a:endParaRPr lang="en-US"/>
-                    </a:p>
-                  </a:txBody>
-                  <a:tcPr/>
-                </a:tc>
-                <a:tc>
-                  <a:txBody>
-                    <a:bodyPr/>
-                    <a:lstStyle/>
-                    <a:p>
+                      <a:pPr algn="ctr"/>
+                      <a:r>
+                        <a:rPr lang="en-US" dirty="0" smtClean="0"/>
+                        <a:t>0.55</a:t>
+                      </a:r>
                       <a:endParaRPr lang="en-US" dirty="0"/>
                     </a:p>
                   </a:txBody>
@@ -28251,6 +28169,26 @@
                     <a:bodyPr/>
                     <a:lstStyle/>
                     <a:p>
+                      <a:pPr algn="ctr"/>
+                      <a:r>
+                        <a:rPr lang="en-US" dirty="0" smtClean="0"/>
+                        <a:t>0.50</a:t>
+                      </a:r>
+                      <a:endParaRPr lang="en-US" dirty="0"/>
+                    </a:p>
+                  </a:txBody>
+                  <a:tcPr/>
+                </a:tc>
+                <a:tc>
+                  <a:txBody>
+                    <a:bodyPr/>
+                    <a:lstStyle/>
+                    <a:p>
+                      <a:pPr algn="ctr"/>
+                      <a:r>
+                        <a:rPr lang="en-US" dirty="0" smtClean="0"/>
+                        <a:t>0.52</a:t>
+                      </a:r>
                       <a:endParaRPr lang="en-US" dirty="0"/>
                     </a:p>
                   </a:txBody>
@@ -28345,15 +28283,44 @@
             <a:pPr lvl="1"/>
             <a:r>
               <a:rPr lang="en-US" dirty="0" smtClean="0"/>
-              <a:t>Add more features</a:t>
-            </a:r>
-            <a:endParaRPr lang="en-US" dirty="0"/>
+              <a:t>Tune features</a:t>
+            </a:r>
           </a:p>
           <a:p>
             <a:r>
               <a:rPr lang="en-US" dirty="0" smtClean="0"/>
               <a:t>Semantic role labeling</a:t>
             </a:r>
+          </a:p>
+          <a:p>
+            <a:pPr lvl="1"/>
+            <a:r>
+              <a:rPr lang="en-US" dirty="0" smtClean="0"/>
+              <a:t>Multiclass </a:t>
+            </a:r>
+            <a:r>
+              <a:rPr lang="en-US" dirty="0" err="1" smtClean="0"/>
+              <a:t>MaxEnt</a:t>
+            </a:r>
+            <a:endParaRPr lang="en-US" dirty="0" smtClean="0"/>
+          </a:p>
+          <a:p>
+            <a:pPr lvl="1"/>
+            <a:r>
+              <a:rPr lang="en-US" dirty="0" smtClean="0"/>
+              <a:t>Re-ranking</a:t>
+            </a:r>
+          </a:p>
+          <a:p>
+            <a:r>
+              <a:rPr lang="en-US" dirty="0"/>
+              <a:t>Joint </a:t>
+            </a:r>
+            <a:r>
+              <a:rPr lang="en-US" dirty="0" smtClean="0"/>
+              <a:t>models</a:t>
+            </a:r>
+            <a:endParaRPr lang="en-US" dirty="0"/>
           </a:p>
         </p:txBody>
       </p:sp>
@@ -28443,22 +28410,14 @@
             <a:pPr lvl="1"/>
             <a:r>
               <a:rPr lang="en-US" dirty="0" smtClean="0"/>
-              <a:t>Event/trigger </a:t>
-            </a:r>
+              <a:t>Event/trigger prediction</a:t>
+            </a:r>
+          </a:p>
+          <a:p>
+            <a:pPr lvl="1"/>
             <a:r>
               <a:rPr lang="en-US" dirty="0" smtClean="0"/>
-              <a:t>prediction</a:t>
-            </a:r>
-          </a:p>
-          <a:p>
-            <a:pPr lvl="1"/>
-            <a:r>
-              <a:rPr lang="en-US" dirty="0" smtClean="0"/>
-              <a:t>Entity (argument) </a:t>
-            </a:r>
-            <a:r>
-              <a:rPr lang="en-US" dirty="0" smtClean="0"/>
-              <a:t>identification for triggers</a:t>
+              <a:t>Entity/argument identification for triggers</a:t>
             </a:r>
           </a:p>
           <a:p>
@@ -31625,53 +31584,6 @@
       </p:grpSpPr>
       <p:sp>
         <p:nvSpPr>
-          <p:cNvPr id="73" name="Trapezoid 72"/>
-          <p:cNvSpPr/>
-          <p:nvPr/>
-        </p:nvSpPr>
-        <p:spPr>
-          <a:xfrm>
-            <a:off x="4953000" y="3086101"/>
-            <a:ext cx="1981200" cy="2400298"/>
-          </a:xfrm>
-          <a:prstGeom prst="trapezoid">
-            <a:avLst>
-              <a:gd name="adj" fmla="val 8353"/>
-            </a:avLst>
-          </a:prstGeom>
-          <a:solidFill>
-            <a:schemeClr val="accent1">
-              <a:alpha val="25000"/>
-            </a:schemeClr>
-          </a:solidFill>
-        </p:spPr>
-        <p:style>
-          <a:lnRef idx="2">
-            <a:schemeClr val="accent1">
-              <a:shade val="50000"/>
-            </a:schemeClr>
-          </a:lnRef>
-          <a:fillRef idx="1">
-            <a:schemeClr val="accent1"/>
-          </a:fillRef>
-          <a:effectRef idx="0">
-            <a:schemeClr val="accent1"/>
-          </a:effectRef>
-          <a:fontRef idx="minor">
-            <a:schemeClr val="lt1"/>
-          </a:fontRef>
-        </p:style>
-        <p:txBody>
-          <a:bodyPr rtlCol="0" anchor="ctr"/>
-          <a:lstStyle/>
-          <a:p>
-            <a:pPr algn="ctr"/>
-            <a:endParaRPr lang="en-US"/>
-          </a:p>
-        </p:txBody>
-      </p:sp>
-      <p:sp>
-        <p:nvSpPr>
           <p:cNvPr id="2" name="Title 1"/>
           <p:cNvSpPr>
             <a:spLocks noGrp="1"/>
@@ -31682,8 +31594,8 @@
         </p:nvSpPr>
         <p:spPr>
           <a:xfrm>
-            <a:off x="457200" y="274638"/>
-            <a:ext cx="8382000" cy="1143000"/>
+            <a:off x="228600" y="274638"/>
+            <a:ext cx="8991600" cy="1143000"/>
           </a:xfrm>
         </p:spPr>
         <p:txBody>
@@ -31693,8 +31605,12 @@
           <a:lstStyle/>
           <a:p>
             <a:r>
+              <a:rPr lang="en-US" dirty="0"/>
+              <a:t>R</a:t>
+            </a:r>
+            <a:r>
               <a:rPr lang="en-US" dirty="0" smtClean="0"/>
-              <a:t>Example of representation - Entities</a:t>
+              <a:t>epresentation – Event triggers</a:t>
             </a:r>
             <a:endParaRPr lang="en-US" dirty="0"/>
           </a:p>
@@ -32947,138 +32863,6 @@
           <a:prstGeom prst="rect">
             <a:avLst/>
           </a:prstGeom>
-        </p:spPr>
-        <p:style>
-          <a:lnRef idx="2">
-            <a:schemeClr val="accent1">
-              <a:shade val="50000"/>
-            </a:schemeClr>
-          </a:lnRef>
-          <a:fillRef idx="1">
-            <a:schemeClr val="accent1"/>
-          </a:fillRef>
-          <a:effectRef idx="0">
-            <a:schemeClr val="accent1"/>
-          </a:effectRef>
-          <a:fontRef idx="minor">
-            <a:schemeClr val="lt1"/>
-          </a:fontRef>
-        </p:style>
-        <p:txBody>
-          <a:bodyPr rtlCol="0" anchor="ctr"/>
-          <a:lstStyle/>
-          <a:p>
-            <a:pPr algn="ctr"/>
-            <a:r>
-              <a:rPr lang="en-US" sz="1000" dirty="0" smtClean="0"/>
-              <a:t>The</a:t>
-            </a:r>
-            <a:endParaRPr lang="en-US" sz="1000" dirty="0"/>
-          </a:p>
-        </p:txBody>
-      </p:sp>
-      <p:sp>
-        <p:nvSpPr>
-          <p:cNvPr id="39" name="Rectangle 38"/>
-          <p:cNvSpPr/>
-          <p:nvPr/>
-        </p:nvSpPr>
-        <p:spPr>
-          <a:xfrm>
-            <a:off x="914400" y="4714009"/>
-            <a:ext cx="685800" cy="381000"/>
-          </a:xfrm>
-          <a:prstGeom prst="rect">
-            <a:avLst/>
-          </a:prstGeom>
-        </p:spPr>
-        <p:style>
-          <a:lnRef idx="2">
-            <a:schemeClr val="accent1">
-              <a:shade val="50000"/>
-            </a:schemeClr>
-          </a:lnRef>
-          <a:fillRef idx="1">
-            <a:schemeClr val="accent1"/>
-          </a:fillRef>
-          <a:effectRef idx="0">
-            <a:schemeClr val="accent1"/>
-          </a:effectRef>
-          <a:fontRef idx="minor">
-            <a:schemeClr val="lt1"/>
-          </a:fontRef>
-        </p:style>
-        <p:txBody>
-          <a:bodyPr rtlCol="0" anchor="ctr"/>
-          <a:lstStyle/>
-          <a:p>
-            <a:pPr algn="ctr"/>
-            <a:r>
-              <a:rPr lang="en-US" sz="1000" dirty="0" smtClean="0"/>
-              <a:t>hydrogen</a:t>
-            </a:r>
-            <a:endParaRPr lang="en-US" sz="1000" dirty="0"/>
-          </a:p>
-        </p:txBody>
-      </p:sp>
-      <p:sp>
-        <p:nvSpPr>
-          <p:cNvPr id="40" name="Rectangle 39"/>
-          <p:cNvSpPr/>
-          <p:nvPr/>
-        </p:nvSpPr>
-        <p:spPr>
-          <a:xfrm>
-            <a:off x="1676400" y="4714009"/>
-            <a:ext cx="609600" cy="381000"/>
-          </a:xfrm>
-          <a:prstGeom prst="rect">
-            <a:avLst/>
-          </a:prstGeom>
-        </p:spPr>
-        <p:style>
-          <a:lnRef idx="2">
-            <a:schemeClr val="accent1">
-              <a:shade val="50000"/>
-            </a:schemeClr>
-          </a:lnRef>
-          <a:fillRef idx="1">
-            <a:schemeClr val="accent1"/>
-          </a:fillRef>
-          <a:effectRef idx="0">
-            <a:schemeClr val="accent1"/>
-          </a:effectRef>
-          <a:fontRef idx="minor">
-            <a:schemeClr val="lt1"/>
-          </a:fontRef>
-        </p:style>
-        <p:txBody>
-          <a:bodyPr rtlCol="0" anchor="ctr"/>
-          <a:lstStyle/>
-          <a:p>
-            <a:pPr algn="ctr"/>
-            <a:r>
-              <a:rPr lang="en-US" sz="1000" dirty="0" smtClean="0"/>
-              <a:t>bonds</a:t>
-            </a:r>
-            <a:endParaRPr lang="en-US" sz="1000" dirty="0"/>
-          </a:p>
-        </p:txBody>
-      </p:sp>
-      <p:sp>
-        <p:nvSpPr>
-          <p:cNvPr id="41" name="Rectangle 40"/>
-          <p:cNvSpPr/>
-          <p:nvPr/>
-        </p:nvSpPr>
-        <p:spPr>
-          <a:xfrm>
-            <a:off x="2362200" y="4714009"/>
-            <a:ext cx="457200" cy="381000"/>
-          </a:xfrm>
-          <a:prstGeom prst="rect">
-            <a:avLst/>
-          </a:prstGeom>
           <a:solidFill>
             <a:schemeClr val="bg1">
               <a:lumMod val="75000"/>
@@ -33115,7 +32899,7 @@
             <a:pPr algn="ctr"/>
             <a:r>
               <a:rPr lang="en-US" sz="1000" dirty="0" smtClean="0"/>
-              <a:t>are</a:t>
+              <a:t>The</a:t>
             </a:r>
             <a:endParaRPr lang="en-US" sz="1000" dirty="0"/>
           </a:p>
@@ -33123,14 +32907,14 @@
       </p:sp>
       <p:sp>
         <p:nvSpPr>
-          <p:cNvPr id="42" name="Rectangle 41"/>
-          <p:cNvSpPr/>
-          <p:nvPr/>
-        </p:nvSpPr>
-        <p:spPr>
-          <a:xfrm>
-            <a:off x="2971800" y="4724400"/>
-            <a:ext cx="609600" cy="381000"/>
+          <p:cNvPr id="39" name="Rectangle 38"/>
+          <p:cNvSpPr/>
+          <p:nvPr/>
+        </p:nvSpPr>
+        <p:spPr>
+          <a:xfrm>
+            <a:off x="914400" y="4714009"/>
+            <a:ext cx="685800" cy="381000"/>
           </a:xfrm>
           <a:prstGeom prst="rect">
             <a:avLst/>
@@ -33171,7 +32955,7 @@
             <a:pPr algn="ctr"/>
             <a:r>
               <a:rPr lang="en-US" sz="1000" dirty="0" smtClean="0"/>
-              <a:t>broken</a:t>
+              <a:t>hydrogen</a:t>
             </a:r>
             <a:endParaRPr lang="en-US" sz="1000" dirty="0"/>
           </a:p>
@@ -33179,14 +32963,14 @@
       </p:sp>
       <p:sp>
         <p:nvSpPr>
-          <p:cNvPr id="43" name="Rectangle 42"/>
-          <p:cNvSpPr/>
-          <p:nvPr/>
-        </p:nvSpPr>
-        <p:spPr>
-          <a:xfrm>
-            <a:off x="4400797" y="4724400"/>
-            <a:ext cx="552203" cy="381000"/>
+          <p:cNvPr id="40" name="Rectangle 39"/>
+          <p:cNvSpPr/>
+          <p:nvPr/>
+        </p:nvSpPr>
+        <p:spPr>
+          <a:xfrm>
+            <a:off x="1676400" y="4714009"/>
+            <a:ext cx="609600" cy="381000"/>
           </a:xfrm>
           <a:prstGeom prst="rect">
             <a:avLst/>
@@ -33227,7 +33011,7 @@
             <a:pPr algn="ctr"/>
             <a:r>
               <a:rPr lang="en-US" sz="1000" dirty="0" smtClean="0"/>
-              <a:t>and</a:t>
+              <a:t>bonds</a:t>
             </a:r>
             <a:endParaRPr lang="en-US" sz="1000" dirty="0"/>
           </a:p>
@@ -33235,13 +33019,13 @@
       </p:sp>
       <p:sp>
         <p:nvSpPr>
-          <p:cNvPr id="44" name="Rectangle 43"/>
-          <p:cNvSpPr/>
-          <p:nvPr/>
-        </p:nvSpPr>
-        <p:spPr>
-          <a:xfrm>
-            <a:off x="3733800" y="4724400"/>
+          <p:cNvPr id="41" name="Rectangle 40"/>
+          <p:cNvSpPr/>
+          <p:nvPr/>
+        </p:nvSpPr>
+        <p:spPr>
+          <a:xfrm>
+            <a:off x="2362200" y="4714009"/>
             <a:ext cx="457200" cy="381000"/>
           </a:xfrm>
           <a:prstGeom prst="rect">
@@ -33283,7 +33067,7 @@
             <a:pPr algn="ctr"/>
             <a:r>
               <a:rPr lang="en-US" sz="1000" dirty="0" smtClean="0"/>
-              <a:t>,</a:t>
+              <a:t>are</a:t>
             </a:r>
             <a:endParaRPr lang="en-US" sz="1000" dirty="0"/>
           </a:p>
@@ -33291,146 +33075,58 @@
       </p:sp>
       <p:sp>
         <p:nvSpPr>
-          <p:cNvPr id="45" name="Rectangle 44"/>
-          <p:cNvSpPr/>
-          <p:nvPr/>
-        </p:nvSpPr>
-        <p:spPr>
-          <a:xfrm>
-            <a:off x="5010397" y="4724400"/>
+          <p:cNvPr id="42" name="Rectangle 41"/>
+          <p:cNvSpPr/>
+          <p:nvPr/>
+        </p:nvSpPr>
+        <p:spPr>
+          <a:xfrm>
+            <a:off x="2971800" y="4724400"/>
+            <a:ext cx="609600" cy="381000"/>
+          </a:xfrm>
+          <a:prstGeom prst="rect">
+            <a:avLst/>
+          </a:prstGeom>
+        </p:spPr>
+        <p:style>
+          <a:lnRef idx="2">
+            <a:schemeClr val="accent1">
+              <a:shade val="50000"/>
+            </a:schemeClr>
+          </a:lnRef>
+          <a:fillRef idx="1">
+            <a:schemeClr val="accent1"/>
+          </a:fillRef>
+          <a:effectRef idx="0">
+            <a:schemeClr val="accent1"/>
+          </a:effectRef>
+          <a:fontRef idx="minor">
+            <a:schemeClr val="lt1"/>
+          </a:fontRef>
+        </p:style>
+        <p:txBody>
+          <a:bodyPr rtlCol="0" anchor="ctr"/>
+          <a:lstStyle/>
+          <a:p>
+            <a:pPr algn="ctr"/>
+            <a:r>
+              <a:rPr lang="en-US" sz="1000" dirty="0" smtClean="0"/>
+              <a:t>broken</a:t>
+            </a:r>
+            <a:endParaRPr lang="en-US" sz="1000" dirty="0"/>
+          </a:p>
+        </p:txBody>
+      </p:sp>
+      <p:sp>
+        <p:nvSpPr>
+          <p:cNvPr id="43" name="Rectangle 42"/>
+          <p:cNvSpPr/>
+          <p:nvPr/>
+        </p:nvSpPr>
+        <p:spPr>
+          <a:xfrm>
+            <a:off x="4400797" y="4724400"/>
             <a:ext cx="552203" cy="381000"/>
-          </a:xfrm>
-          <a:prstGeom prst="rect">
-            <a:avLst/>
-          </a:prstGeom>
-        </p:spPr>
-        <p:style>
-          <a:lnRef idx="2">
-            <a:schemeClr val="accent1">
-              <a:shade val="50000"/>
-            </a:schemeClr>
-          </a:lnRef>
-          <a:fillRef idx="1">
-            <a:schemeClr val="accent1"/>
-          </a:fillRef>
-          <a:effectRef idx="0">
-            <a:schemeClr val="accent1"/>
-          </a:effectRef>
-          <a:fontRef idx="minor">
-            <a:schemeClr val="lt1"/>
-          </a:fontRef>
-        </p:style>
-        <p:txBody>
-          <a:bodyPr rtlCol="0" anchor="ctr"/>
-          <a:lstStyle/>
-          <a:p>
-            <a:pPr algn="ctr"/>
-            <a:r>
-              <a:rPr lang="en-US" sz="1000" dirty="0" smtClean="0"/>
-              <a:t>the</a:t>
-            </a:r>
-            <a:endParaRPr lang="en-US" sz="1000" dirty="0"/>
-          </a:p>
-        </p:txBody>
-      </p:sp>
-      <p:sp>
-        <p:nvSpPr>
-          <p:cNvPr id="46" name="Rectangle 45"/>
-          <p:cNvSpPr/>
-          <p:nvPr/>
-        </p:nvSpPr>
-        <p:spPr>
-          <a:xfrm>
-            <a:off x="5619997" y="4724400"/>
-            <a:ext cx="552203" cy="381000"/>
-          </a:xfrm>
-          <a:prstGeom prst="rect">
-            <a:avLst/>
-          </a:prstGeom>
-        </p:spPr>
-        <p:style>
-          <a:lnRef idx="2">
-            <a:schemeClr val="accent1">
-              <a:shade val="50000"/>
-            </a:schemeClr>
-          </a:lnRef>
-          <a:fillRef idx="1">
-            <a:schemeClr val="accent1"/>
-          </a:fillRef>
-          <a:effectRef idx="0">
-            <a:schemeClr val="accent1"/>
-          </a:effectRef>
-          <a:fontRef idx="minor">
-            <a:schemeClr val="lt1"/>
-          </a:fontRef>
-        </p:style>
-        <p:txBody>
-          <a:bodyPr rtlCol="0" anchor="ctr"/>
-          <a:lstStyle/>
-          <a:p>
-            <a:pPr algn="ctr"/>
-            <a:r>
-              <a:rPr lang="en-US" sz="1000" dirty="0" smtClean="0"/>
-              <a:t>two</a:t>
-            </a:r>
-            <a:endParaRPr lang="en-US" sz="1000" dirty="0"/>
-          </a:p>
-        </p:txBody>
-      </p:sp>
-      <p:sp>
-        <p:nvSpPr>
-          <p:cNvPr id="47" name="Rectangle 46"/>
-          <p:cNvSpPr/>
-          <p:nvPr/>
-        </p:nvSpPr>
-        <p:spPr>
-          <a:xfrm>
-            <a:off x="6248400" y="4724400"/>
-            <a:ext cx="552203" cy="381000"/>
-          </a:xfrm>
-          <a:prstGeom prst="rect">
-            <a:avLst/>
-          </a:prstGeom>
-        </p:spPr>
-        <p:style>
-          <a:lnRef idx="2">
-            <a:schemeClr val="accent1">
-              <a:shade val="50000"/>
-            </a:schemeClr>
-          </a:lnRef>
-          <a:fillRef idx="1">
-            <a:schemeClr val="accent1"/>
-          </a:fillRef>
-          <a:effectRef idx="0">
-            <a:schemeClr val="accent1"/>
-          </a:effectRef>
-          <a:fontRef idx="minor">
-            <a:schemeClr val="lt1"/>
-          </a:fontRef>
-        </p:style>
-        <p:txBody>
-          <a:bodyPr rtlCol="0" anchor="ctr"/>
-          <a:lstStyle/>
-          <a:p>
-            <a:pPr algn="ctr"/>
-            <a:r>
-              <a:rPr lang="en-US" sz="1000" dirty="0" smtClean="0"/>
-              <a:t>chains</a:t>
-            </a:r>
-            <a:endParaRPr lang="en-US" sz="1000" dirty="0"/>
-          </a:p>
-        </p:txBody>
-      </p:sp>
-      <p:sp>
-        <p:nvSpPr>
-          <p:cNvPr id="48" name="Rectangle 47"/>
-          <p:cNvSpPr/>
-          <p:nvPr/>
-        </p:nvSpPr>
-        <p:spPr>
-          <a:xfrm>
-            <a:off x="6934200" y="4722916"/>
-            <a:ext cx="609600" cy="381000"/>
           </a:xfrm>
           <a:prstGeom prst="rect">
             <a:avLst/>
@@ -33471,7 +33167,7 @@
             <a:pPr algn="ctr"/>
             <a:r>
               <a:rPr lang="en-US" sz="1000" dirty="0" smtClean="0"/>
-              <a:t>unwind</a:t>
+              <a:t>and</a:t>
             </a:r>
             <a:endParaRPr lang="en-US" sz="1000" dirty="0"/>
           </a:p>
@@ -33479,14 +33175,14 @@
       </p:sp>
       <p:sp>
         <p:nvSpPr>
-          <p:cNvPr id="49" name="Rectangle 48"/>
-          <p:cNvSpPr/>
-          <p:nvPr/>
-        </p:nvSpPr>
-        <p:spPr>
-          <a:xfrm>
-            <a:off x="7601197" y="4724400"/>
-            <a:ext cx="552203" cy="381000"/>
+          <p:cNvPr id="44" name="Rectangle 43"/>
+          <p:cNvSpPr/>
+          <p:nvPr/>
+        </p:nvSpPr>
+        <p:spPr>
+          <a:xfrm>
+            <a:off x="3733800" y="4724400"/>
+            <a:ext cx="457200" cy="381000"/>
           </a:xfrm>
           <a:prstGeom prst="rect">
             <a:avLst/>
@@ -33527,7 +33223,7 @@
             <a:pPr algn="ctr"/>
             <a:r>
               <a:rPr lang="en-US" sz="1000" dirty="0" smtClean="0"/>
-              <a:t>and</a:t>
+              <a:t>,</a:t>
             </a:r>
             <a:endParaRPr lang="en-US" sz="1000" dirty="0"/>
           </a:p>
@@ -33535,14 +33231,14 @@
       </p:sp>
       <p:sp>
         <p:nvSpPr>
-          <p:cNvPr id="50" name="Rectangle 49"/>
-          <p:cNvSpPr/>
-          <p:nvPr/>
-        </p:nvSpPr>
-        <p:spPr>
-          <a:xfrm>
-            <a:off x="8229600" y="4724400"/>
-            <a:ext cx="762000" cy="381000"/>
+          <p:cNvPr id="45" name="Rectangle 44"/>
+          <p:cNvSpPr/>
+          <p:nvPr/>
+        </p:nvSpPr>
+        <p:spPr>
+          <a:xfrm>
+            <a:off x="5010397" y="4724400"/>
+            <a:ext cx="552203" cy="381000"/>
           </a:xfrm>
           <a:prstGeom prst="rect">
             <a:avLst/>
@@ -33559,6 +33255,262 @@
               </a:schemeClr>
             </a:solidFill>
           </a:ln>
+        </p:spPr>
+        <p:style>
+          <a:lnRef idx="2">
+            <a:schemeClr val="accent1">
+              <a:shade val="50000"/>
+            </a:schemeClr>
+          </a:lnRef>
+          <a:fillRef idx="1">
+            <a:schemeClr val="accent1"/>
+          </a:fillRef>
+          <a:effectRef idx="0">
+            <a:schemeClr val="accent1"/>
+          </a:effectRef>
+          <a:fontRef idx="minor">
+            <a:schemeClr val="lt1"/>
+          </a:fontRef>
+        </p:style>
+        <p:txBody>
+          <a:bodyPr rtlCol="0" anchor="ctr"/>
+          <a:lstStyle/>
+          <a:p>
+            <a:pPr algn="ctr"/>
+            <a:r>
+              <a:rPr lang="en-US" sz="1000" dirty="0" smtClean="0"/>
+              <a:t>the</a:t>
+            </a:r>
+            <a:endParaRPr lang="en-US" sz="1000" dirty="0"/>
+          </a:p>
+        </p:txBody>
+      </p:sp>
+      <p:sp>
+        <p:nvSpPr>
+          <p:cNvPr id="46" name="Rectangle 45"/>
+          <p:cNvSpPr/>
+          <p:nvPr/>
+        </p:nvSpPr>
+        <p:spPr>
+          <a:xfrm>
+            <a:off x="5619997" y="4724400"/>
+            <a:ext cx="552203" cy="381000"/>
+          </a:xfrm>
+          <a:prstGeom prst="rect">
+            <a:avLst/>
+          </a:prstGeom>
+          <a:solidFill>
+            <a:schemeClr val="bg1">
+              <a:lumMod val="75000"/>
+            </a:schemeClr>
+          </a:solidFill>
+          <a:ln>
+            <a:solidFill>
+              <a:schemeClr val="bg1">
+                <a:lumMod val="75000"/>
+              </a:schemeClr>
+            </a:solidFill>
+          </a:ln>
+        </p:spPr>
+        <p:style>
+          <a:lnRef idx="2">
+            <a:schemeClr val="accent1">
+              <a:shade val="50000"/>
+            </a:schemeClr>
+          </a:lnRef>
+          <a:fillRef idx="1">
+            <a:schemeClr val="accent1"/>
+          </a:fillRef>
+          <a:effectRef idx="0">
+            <a:schemeClr val="accent1"/>
+          </a:effectRef>
+          <a:fontRef idx="minor">
+            <a:schemeClr val="lt1"/>
+          </a:fontRef>
+        </p:style>
+        <p:txBody>
+          <a:bodyPr rtlCol="0" anchor="ctr"/>
+          <a:lstStyle/>
+          <a:p>
+            <a:pPr algn="ctr"/>
+            <a:r>
+              <a:rPr lang="en-US" sz="1000" dirty="0" smtClean="0"/>
+              <a:t>two</a:t>
+            </a:r>
+            <a:endParaRPr lang="en-US" sz="1000" dirty="0"/>
+          </a:p>
+        </p:txBody>
+      </p:sp>
+      <p:sp>
+        <p:nvSpPr>
+          <p:cNvPr id="47" name="Rectangle 46"/>
+          <p:cNvSpPr/>
+          <p:nvPr/>
+        </p:nvSpPr>
+        <p:spPr>
+          <a:xfrm>
+            <a:off x="6248400" y="4724400"/>
+            <a:ext cx="552203" cy="381000"/>
+          </a:xfrm>
+          <a:prstGeom prst="rect">
+            <a:avLst/>
+          </a:prstGeom>
+          <a:solidFill>
+            <a:schemeClr val="bg1">
+              <a:lumMod val="75000"/>
+            </a:schemeClr>
+          </a:solidFill>
+          <a:ln>
+            <a:solidFill>
+              <a:schemeClr val="bg1">
+                <a:lumMod val="75000"/>
+              </a:schemeClr>
+            </a:solidFill>
+          </a:ln>
+        </p:spPr>
+        <p:style>
+          <a:lnRef idx="2">
+            <a:schemeClr val="accent1">
+              <a:shade val="50000"/>
+            </a:schemeClr>
+          </a:lnRef>
+          <a:fillRef idx="1">
+            <a:schemeClr val="accent1"/>
+          </a:fillRef>
+          <a:effectRef idx="0">
+            <a:schemeClr val="accent1"/>
+          </a:effectRef>
+          <a:fontRef idx="minor">
+            <a:schemeClr val="lt1"/>
+          </a:fontRef>
+        </p:style>
+        <p:txBody>
+          <a:bodyPr rtlCol="0" anchor="ctr"/>
+          <a:lstStyle/>
+          <a:p>
+            <a:pPr algn="ctr"/>
+            <a:r>
+              <a:rPr lang="en-US" sz="1000" dirty="0" smtClean="0"/>
+              <a:t>chains</a:t>
+            </a:r>
+            <a:endParaRPr lang="en-US" sz="1000" dirty="0"/>
+          </a:p>
+        </p:txBody>
+      </p:sp>
+      <p:sp>
+        <p:nvSpPr>
+          <p:cNvPr id="48" name="Rectangle 47"/>
+          <p:cNvSpPr/>
+          <p:nvPr/>
+        </p:nvSpPr>
+        <p:spPr>
+          <a:xfrm>
+            <a:off x="6934200" y="4722916"/>
+            <a:ext cx="609600" cy="381000"/>
+          </a:xfrm>
+          <a:prstGeom prst="rect">
+            <a:avLst/>
+          </a:prstGeom>
+        </p:spPr>
+        <p:style>
+          <a:lnRef idx="2">
+            <a:schemeClr val="accent1">
+              <a:shade val="50000"/>
+            </a:schemeClr>
+          </a:lnRef>
+          <a:fillRef idx="1">
+            <a:schemeClr val="accent1"/>
+          </a:fillRef>
+          <a:effectRef idx="0">
+            <a:schemeClr val="accent1"/>
+          </a:effectRef>
+          <a:fontRef idx="minor">
+            <a:schemeClr val="lt1"/>
+          </a:fontRef>
+        </p:style>
+        <p:txBody>
+          <a:bodyPr rtlCol="0" anchor="ctr"/>
+          <a:lstStyle/>
+          <a:p>
+            <a:pPr algn="ctr"/>
+            <a:r>
+              <a:rPr lang="en-US" sz="1000" dirty="0" smtClean="0"/>
+              <a:t>unwind</a:t>
+            </a:r>
+            <a:endParaRPr lang="en-US" sz="1000" dirty="0"/>
+          </a:p>
+        </p:txBody>
+      </p:sp>
+      <p:sp>
+        <p:nvSpPr>
+          <p:cNvPr id="49" name="Rectangle 48"/>
+          <p:cNvSpPr/>
+          <p:nvPr/>
+        </p:nvSpPr>
+        <p:spPr>
+          <a:xfrm>
+            <a:off x="7601197" y="4724400"/>
+            <a:ext cx="552203" cy="381000"/>
+          </a:xfrm>
+          <a:prstGeom prst="rect">
+            <a:avLst/>
+          </a:prstGeom>
+          <a:solidFill>
+            <a:schemeClr val="bg1">
+              <a:lumMod val="75000"/>
+            </a:schemeClr>
+          </a:solidFill>
+          <a:ln>
+            <a:solidFill>
+              <a:schemeClr val="bg1">
+                <a:lumMod val="75000"/>
+              </a:schemeClr>
+            </a:solidFill>
+          </a:ln>
+        </p:spPr>
+        <p:style>
+          <a:lnRef idx="2">
+            <a:schemeClr val="accent1">
+              <a:shade val="50000"/>
+            </a:schemeClr>
+          </a:lnRef>
+          <a:fillRef idx="1">
+            <a:schemeClr val="accent1"/>
+          </a:fillRef>
+          <a:effectRef idx="0">
+            <a:schemeClr val="accent1"/>
+          </a:effectRef>
+          <a:fontRef idx="minor">
+            <a:schemeClr val="lt1"/>
+          </a:fontRef>
+        </p:style>
+        <p:txBody>
+          <a:bodyPr rtlCol="0" anchor="ctr"/>
+          <a:lstStyle/>
+          <a:p>
+            <a:pPr algn="ctr"/>
+            <a:r>
+              <a:rPr lang="en-US" sz="1000" dirty="0" smtClean="0"/>
+              <a:t>and</a:t>
+            </a:r>
+            <a:endParaRPr lang="en-US" sz="1000" dirty="0"/>
+          </a:p>
+        </p:txBody>
+      </p:sp>
+      <p:sp>
+        <p:nvSpPr>
+          <p:cNvPr id="50" name="Rectangle 49"/>
+          <p:cNvSpPr/>
+          <p:nvPr/>
+        </p:nvSpPr>
+        <p:spPr>
+          <a:xfrm>
+            <a:off x="8229600" y="4724400"/>
+            <a:ext cx="762000" cy="381000"/>
+          </a:xfrm>
+          <a:prstGeom prst="rect">
+            <a:avLst/>
+          </a:prstGeom>
         </p:spPr>
         <p:style>
           <a:lnRef idx="2">
@@ -34778,14 +34730,14 @@
       </p:cxnSp>
       <p:sp>
         <p:nvSpPr>
-          <p:cNvPr id="3" name="Trapezoid 2"/>
-          <p:cNvSpPr/>
-          <p:nvPr/>
-        </p:nvSpPr>
-        <p:spPr>
-          <a:xfrm>
-            <a:off x="114300" y="3124200"/>
-            <a:ext cx="2247900" cy="2362199"/>
+          <p:cNvPr id="72" name="Trapezoid 71"/>
+          <p:cNvSpPr/>
+          <p:nvPr/>
+        </p:nvSpPr>
+        <p:spPr>
+          <a:xfrm>
+            <a:off x="2844426" y="4038600"/>
+            <a:ext cx="889374" cy="1447800"/>
           </a:xfrm>
           <a:prstGeom prst="trapezoid">
             <a:avLst>
@@ -34793,7 +34745,104 @@
             </a:avLst>
           </a:prstGeom>
           <a:solidFill>
-            <a:schemeClr val="accent1">
+            <a:schemeClr val="accent3">
+              <a:lumMod val="75000"/>
+              <a:alpha val="25000"/>
+            </a:schemeClr>
+          </a:solidFill>
+        </p:spPr>
+        <p:style>
+          <a:lnRef idx="2">
+            <a:schemeClr val="accent1">
+              <a:shade val="50000"/>
+            </a:schemeClr>
+          </a:lnRef>
+          <a:fillRef idx="1">
+            <a:schemeClr val="accent1"/>
+          </a:fillRef>
+          <a:effectRef idx="0">
+            <a:schemeClr val="accent1"/>
+          </a:effectRef>
+          <a:fontRef idx="minor">
+            <a:schemeClr val="lt1"/>
+          </a:fontRef>
+        </p:style>
+        <p:txBody>
+          <a:bodyPr rtlCol="0" anchor="ctr"/>
+          <a:lstStyle/>
+          <a:p>
+            <a:pPr algn="ctr"/>
+            <a:endParaRPr lang="en-US"/>
+          </a:p>
+        </p:txBody>
+      </p:sp>
+      <p:sp>
+        <p:nvSpPr>
+          <p:cNvPr id="74" name="Trapezoid 73"/>
+          <p:cNvSpPr/>
+          <p:nvPr/>
+        </p:nvSpPr>
+        <p:spPr>
+          <a:xfrm>
+            <a:off x="6800603" y="3520981"/>
+            <a:ext cx="889374" cy="1965419"/>
+          </a:xfrm>
+          <a:prstGeom prst="trapezoid">
+            <a:avLst>
+              <a:gd name="adj" fmla="val 8790"/>
+            </a:avLst>
+          </a:prstGeom>
+          <a:solidFill>
+            <a:schemeClr val="accent3">
+              <a:lumMod val="75000"/>
+              <a:alpha val="25000"/>
+            </a:schemeClr>
+          </a:solidFill>
+        </p:spPr>
+        <p:style>
+          <a:lnRef idx="2">
+            <a:schemeClr val="accent1">
+              <a:shade val="50000"/>
+            </a:schemeClr>
+          </a:lnRef>
+          <a:fillRef idx="1">
+            <a:schemeClr val="accent1"/>
+          </a:fillRef>
+          <a:effectRef idx="0">
+            <a:schemeClr val="accent1"/>
+          </a:effectRef>
+          <a:fontRef idx="minor">
+            <a:schemeClr val="lt1"/>
+          </a:fontRef>
+        </p:style>
+        <p:txBody>
+          <a:bodyPr rtlCol="0" anchor="ctr"/>
+          <a:lstStyle/>
+          <a:p>
+            <a:pPr algn="ctr"/>
+            <a:endParaRPr lang="en-US"/>
+          </a:p>
+        </p:txBody>
+      </p:sp>
+      <p:sp>
+        <p:nvSpPr>
+          <p:cNvPr id="75" name="Trapezoid 74"/>
+          <p:cNvSpPr/>
+          <p:nvPr/>
+        </p:nvSpPr>
+        <p:spPr>
+          <a:xfrm>
+            <a:off x="8153400" y="3520981"/>
+            <a:ext cx="889374" cy="1965419"/>
+          </a:xfrm>
+          <a:prstGeom prst="trapezoid">
+            <a:avLst>
+              <a:gd name="adj" fmla="val 8790"/>
+            </a:avLst>
+          </a:prstGeom>
+          <a:solidFill>
+            <a:schemeClr val="accent3">
+              <a:lumMod val="75000"/>
               <a:alpha val="25000"/>
             </a:schemeClr>
           </a:solidFill>
@@ -34826,7 +34875,7 @@
     </p:spTree>
     <p:extLst>
       <p:ext uri="{BB962C8B-B14F-4D97-AF65-F5344CB8AC3E}">
-        <p14:creationId xmlns:p14="http://schemas.microsoft.com/office/powerpoint/2010/main" val="1774778964"/>
+        <p14:creationId xmlns:p14="http://schemas.microsoft.com/office/powerpoint/2010/main" val="1514828840"/>
       </p:ext>
     </p:extLst>
   </p:cSld>
@@ -34862,6 +34911,53 @@
       </p:grpSpPr>
       <p:sp>
         <p:nvSpPr>
+          <p:cNvPr id="73" name="Trapezoid 72"/>
+          <p:cNvSpPr/>
+          <p:nvPr/>
+        </p:nvSpPr>
+        <p:spPr>
+          <a:xfrm>
+            <a:off x="4953000" y="3086101"/>
+            <a:ext cx="1981200" cy="2400298"/>
+          </a:xfrm>
+          <a:prstGeom prst="trapezoid">
+            <a:avLst>
+              <a:gd name="adj" fmla="val 8353"/>
+            </a:avLst>
+          </a:prstGeom>
+          <a:solidFill>
+            <a:schemeClr val="accent1">
+              <a:alpha val="25000"/>
+            </a:schemeClr>
+          </a:solidFill>
+        </p:spPr>
+        <p:style>
+          <a:lnRef idx="2">
+            <a:schemeClr val="accent1">
+              <a:shade val="50000"/>
+            </a:schemeClr>
+          </a:lnRef>
+          <a:fillRef idx="1">
+            <a:schemeClr val="accent1"/>
+          </a:fillRef>
+          <a:effectRef idx="0">
+            <a:schemeClr val="accent1"/>
+          </a:effectRef>
+          <a:fontRef idx="minor">
+            <a:schemeClr val="lt1"/>
+          </a:fontRef>
+        </p:style>
+        <p:txBody>
+          <a:bodyPr rtlCol="0" anchor="ctr"/>
+          <a:lstStyle/>
+          <a:p>
+            <a:pPr algn="ctr"/>
+            <a:endParaRPr lang="en-US"/>
+          </a:p>
+        </p:txBody>
+      </p:sp>
+      <p:sp>
+        <p:nvSpPr>
           <p:cNvPr id="2" name="Title 1"/>
           <p:cNvSpPr>
             <a:spLocks noGrp="1"/>
@@ -34872,19 +34968,23 @@
         </p:nvSpPr>
         <p:spPr>
           <a:xfrm>
-            <a:off x="228600" y="274638"/>
-            <a:ext cx="8991600" cy="1143000"/>
+            <a:off x="457200" y="274638"/>
+            <a:ext cx="8382000" cy="1143000"/>
           </a:xfrm>
         </p:spPr>
         <p:txBody>
           <a:bodyPr>
-            <a:normAutofit fontScale="90000"/>
+            <a:normAutofit/>
           </a:bodyPr>
           <a:lstStyle/>
           <a:p>
             <a:r>
+              <a:rPr lang="en-US" dirty="0"/>
+              <a:t>R</a:t>
+            </a:r>
+            <a:r>
               <a:rPr lang="en-US" dirty="0" smtClean="0"/>
-              <a:t>Example of representation – Event triggers</a:t>
+              <a:t>epresentation - Entities</a:t>
             </a:r>
             <a:endParaRPr lang="en-US" dirty="0"/>
           </a:p>
@@ -36137,6 +36237,138 @@
           <a:prstGeom prst="rect">
             <a:avLst/>
           </a:prstGeom>
+        </p:spPr>
+        <p:style>
+          <a:lnRef idx="2">
+            <a:schemeClr val="accent1">
+              <a:shade val="50000"/>
+            </a:schemeClr>
+          </a:lnRef>
+          <a:fillRef idx="1">
+            <a:schemeClr val="accent1"/>
+          </a:fillRef>
+          <a:effectRef idx="0">
+            <a:schemeClr val="accent1"/>
+          </a:effectRef>
+          <a:fontRef idx="minor">
+            <a:schemeClr val="lt1"/>
+          </a:fontRef>
+        </p:style>
+        <p:txBody>
+          <a:bodyPr rtlCol="0" anchor="ctr"/>
+          <a:lstStyle/>
+          <a:p>
+            <a:pPr algn="ctr"/>
+            <a:r>
+              <a:rPr lang="en-US" sz="1000" dirty="0" smtClean="0"/>
+              <a:t>The</a:t>
+            </a:r>
+            <a:endParaRPr lang="en-US" sz="1000" dirty="0"/>
+          </a:p>
+        </p:txBody>
+      </p:sp>
+      <p:sp>
+        <p:nvSpPr>
+          <p:cNvPr id="39" name="Rectangle 38"/>
+          <p:cNvSpPr/>
+          <p:nvPr/>
+        </p:nvSpPr>
+        <p:spPr>
+          <a:xfrm>
+            <a:off x="914400" y="4714009"/>
+            <a:ext cx="685800" cy="381000"/>
+          </a:xfrm>
+          <a:prstGeom prst="rect">
+            <a:avLst/>
+          </a:prstGeom>
+        </p:spPr>
+        <p:style>
+          <a:lnRef idx="2">
+            <a:schemeClr val="accent1">
+              <a:shade val="50000"/>
+            </a:schemeClr>
+          </a:lnRef>
+          <a:fillRef idx="1">
+            <a:schemeClr val="accent1"/>
+          </a:fillRef>
+          <a:effectRef idx="0">
+            <a:schemeClr val="accent1"/>
+          </a:effectRef>
+          <a:fontRef idx="minor">
+            <a:schemeClr val="lt1"/>
+          </a:fontRef>
+        </p:style>
+        <p:txBody>
+          <a:bodyPr rtlCol="0" anchor="ctr"/>
+          <a:lstStyle/>
+          <a:p>
+            <a:pPr algn="ctr"/>
+            <a:r>
+              <a:rPr lang="en-US" sz="1000" dirty="0" smtClean="0"/>
+              <a:t>hydrogen</a:t>
+            </a:r>
+            <a:endParaRPr lang="en-US" sz="1000" dirty="0"/>
+          </a:p>
+        </p:txBody>
+      </p:sp>
+      <p:sp>
+        <p:nvSpPr>
+          <p:cNvPr id="40" name="Rectangle 39"/>
+          <p:cNvSpPr/>
+          <p:nvPr/>
+        </p:nvSpPr>
+        <p:spPr>
+          <a:xfrm>
+            <a:off x="1676400" y="4714009"/>
+            <a:ext cx="609600" cy="381000"/>
+          </a:xfrm>
+          <a:prstGeom prst="rect">
+            <a:avLst/>
+          </a:prstGeom>
+        </p:spPr>
+        <p:style>
+          <a:lnRef idx="2">
+            <a:schemeClr val="accent1">
+              <a:shade val="50000"/>
+            </a:schemeClr>
+          </a:lnRef>
+          <a:fillRef idx="1">
+            <a:schemeClr val="accent1"/>
+          </a:fillRef>
+          <a:effectRef idx="0">
+            <a:schemeClr val="accent1"/>
+          </a:effectRef>
+          <a:fontRef idx="minor">
+            <a:schemeClr val="lt1"/>
+          </a:fontRef>
+        </p:style>
+        <p:txBody>
+          <a:bodyPr rtlCol="0" anchor="ctr"/>
+          <a:lstStyle/>
+          <a:p>
+            <a:pPr algn="ctr"/>
+            <a:r>
+              <a:rPr lang="en-US" sz="1000" dirty="0" smtClean="0"/>
+              <a:t>bonds</a:t>
+            </a:r>
+            <a:endParaRPr lang="en-US" sz="1000" dirty="0"/>
+          </a:p>
+        </p:txBody>
+      </p:sp>
+      <p:sp>
+        <p:nvSpPr>
+          <p:cNvPr id="41" name="Rectangle 40"/>
+          <p:cNvSpPr/>
+          <p:nvPr/>
+        </p:nvSpPr>
+        <p:spPr>
+          <a:xfrm>
+            <a:off x="2362200" y="4714009"/>
+            <a:ext cx="457200" cy="381000"/>
+          </a:xfrm>
+          <a:prstGeom prst="rect">
+            <a:avLst/>
+          </a:prstGeom>
           <a:solidFill>
             <a:schemeClr val="bg1">
               <a:lumMod val="75000"/>
@@ -36173,7 +36405,7 @@
             <a:pPr algn="ctr"/>
             <a:r>
               <a:rPr lang="en-US" sz="1000" dirty="0" smtClean="0"/>
-              <a:t>The</a:t>
+              <a:t>are</a:t>
             </a:r>
             <a:endParaRPr lang="en-US" sz="1000" dirty="0"/>
           </a:p>
@@ -36181,14 +36413,14 @@
       </p:sp>
       <p:sp>
         <p:nvSpPr>
-          <p:cNvPr id="39" name="Rectangle 38"/>
-          <p:cNvSpPr/>
-          <p:nvPr/>
-        </p:nvSpPr>
-        <p:spPr>
-          <a:xfrm>
-            <a:off x="914400" y="4714009"/>
-            <a:ext cx="685800" cy="381000"/>
+          <p:cNvPr id="42" name="Rectangle 41"/>
+          <p:cNvSpPr/>
+          <p:nvPr/>
+        </p:nvSpPr>
+        <p:spPr>
+          <a:xfrm>
+            <a:off x="2971800" y="4724400"/>
+            <a:ext cx="609600" cy="381000"/>
           </a:xfrm>
           <a:prstGeom prst="rect">
             <a:avLst/>
@@ -36229,7 +36461,7 @@
             <a:pPr algn="ctr"/>
             <a:r>
               <a:rPr lang="en-US" sz="1000" dirty="0" smtClean="0"/>
-              <a:t>hydrogen</a:t>
+              <a:t>broken</a:t>
             </a:r>
             <a:endParaRPr lang="en-US" sz="1000" dirty="0"/>
           </a:p>
@@ -36237,14 +36469,14 @@
       </p:sp>
       <p:sp>
         <p:nvSpPr>
-          <p:cNvPr id="40" name="Rectangle 39"/>
-          <p:cNvSpPr/>
-          <p:nvPr/>
-        </p:nvSpPr>
-        <p:spPr>
-          <a:xfrm>
-            <a:off x="1676400" y="4714009"/>
-            <a:ext cx="609600" cy="381000"/>
+          <p:cNvPr id="43" name="Rectangle 42"/>
+          <p:cNvSpPr/>
+          <p:nvPr/>
+        </p:nvSpPr>
+        <p:spPr>
+          <a:xfrm>
+            <a:off x="4400797" y="4724400"/>
+            <a:ext cx="552203" cy="381000"/>
           </a:xfrm>
           <a:prstGeom prst="rect">
             <a:avLst/>
@@ -36285,7 +36517,7 @@
             <a:pPr algn="ctr"/>
             <a:r>
               <a:rPr lang="en-US" sz="1000" dirty="0" smtClean="0"/>
-              <a:t>bonds</a:t>
+              <a:t>and</a:t>
             </a:r>
             <a:endParaRPr lang="en-US" sz="1000" dirty="0"/>
           </a:p>
@@ -36293,13 +36525,13 @@
       </p:sp>
       <p:sp>
         <p:nvSpPr>
-          <p:cNvPr id="41" name="Rectangle 40"/>
-          <p:cNvSpPr/>
-          <p:nvPr/>
-        </p:nvSpPr>
-        <p:spPr>
-          <a:xfrm>
-            <a:off x="2362200" y="4714009"/>
+          <p:cNvPr id="44" name="Rectangle 43"/>
+          <p:cNvSpPr/>
+          <p:nvPr/>
+        </p:nvSpPr>
+        <p:spPr>
+          <a:xfrm>
+            <a:off x="3733800" y="4724400"/>
             <a:ext cx="457200" cy="381000"/>
           </a:xfrm>
           <a:prstGeom prst="rect">
@@ -36341,7 +36573,7 @@
             <a:pPr algn="ctr"/>
             <a:r>
               <a:rPr lang="en-US" sz="1000" dirty="0" smtClean="0"/>
-              <a:t>are</a:t>
+              <a:t>,</a:t>
             </a:r>
             <a:endParaRPr lang="en-US" sz="1000" dirty="0"/>
           </a:p>
@@ -36349,58 +36581,146 @@
       </p:sp>
       <p:sp>
         <p:nvSpPr>
-          <p:cNvPr id="42" name="Rectangle 41"/>
-          <p:cNvSpPr/>
-          <p:nvPr/>
-        </p:nvSpPr>
-        <p:spPr>
-          <a:xfrm>
-            <a:off x="2971800" y="4724400"/>
+          <p:cNvPr id="45" name="Rectangle 44"/>
+          <p:cNvSpPr/>
+          <p:nvPr/>
+        </p:nvSpPr>
+        <p:spPr>
+          <a:xfrm>
+            <a:off x="5010397" y="4724400"/>
+            <a:ext cx="552203" cy="381000"/>
+          </a:xfrm>
+          <a:prstGeom prst="rect">
+            <a:avLst/>
+          </a:prstGeom>
+        </p:spPr>
+        <p:style>
+          <a:lnRef idx="2">
+            <a:schemeClr val="accent1">
+              <a:shade val="50000"/>
+            </a:schemeClr>
+          </a:lnRef>
+          <a:fillRef idx="1">
+            <a:schemeClr val="accent1"/>
+          </a:fillRef>
+          <a:effectRef idx="0">
+            <a:schemeClr val="accent1"/>
+          </a:effectRef>
+          <a:fontRef idx="minor">
+            <a:schemeClr val="lt1"/>
+          </a:fontRef>
+        </p:style>
+        <p:txBody>
+          <a:bodyPr rtlCol="0" anchor="ctr"/>
+          <a:lstStyle/>
+          <a:p>
+            <a:pPr algn="ctr"/>
+            <a:r>
+              <a:rPr lang="en-US" sz="1000" dirty="0" smtClean="0"/>
+              <a:t>the</a:t>
+            </a:r>
+            <a:endParaRPr lang="en-US" sz="1000" dirty="0"/>
+          </a:p>
+        </p:txBody>
+      </p:sp>
+      <p:sp>
+        <p:nvSpPr>
+          <p:cNvPr id="46" name="Rectangle 45"/>
+          <p:cNvSpPr/>
+          <p:nvPr/>
+        </p:nvSpPr>
+        <p:spPr>
+          <a:xfrm>
+            <a:off x="5619997" y="4724400"/>
+            <a:ext cx="552203" cy="381000"/>
+          </a:xfrm>
+          <a:prstGeom prst="rect">
+            <a:avLst/>
+          </a:prstGeom>
+        </p:spPr>
+        <p:style>
+          <a:lnRef idx="2">
+            <a:schemeClr val="accent1">
+              <a:shade val="50000"/>
+            </a:schemeClr>
+          </a:lnRef>
+          <a:fillRef idx="1">
+            <a:schemeClr val="accent1"/>
+          </a:fillRef>
+          <a:effectRef idx="0">
+            <a:schemeClr val="accent1"/>
+          </a:effectRef>
+          <a:fontRef idx="minor">
+            <a:schemeClr val="lt1"/>
+          </a:fontRef>
+        </p:style>
+        <p:txBody>
+          <a:bodyPr rtlCol="0" anchor="ctr"/>
+          <a:lstStyle/>
+          <a:p>
+            <a:pPr algn="ctr"/>
+            <a:r>
+              <a:rPr lang="en-US" sz="1000" dirty="0" smtClean="0"/>
+              <a:t>two</a:t>
+            </a:r>
+            <a:endParaRPr lang="en-US" sz="1000" dirty="0"/>
+          </a:p>
+        </p:txBody>
+      </p:sp>
+      <p:sp>
+        <p:nvSpPr>
+          <p:cNvPr id="47" name="Rectangle 46"/>
+          <p:cNvSpPr/>
+          <p:nvPr/>
+        </p:nvSpPr>
+        <p:spPr>
+          <a:xfrm>
+            <a:off x="6248400" y="4724400"/>
+            <a:ext cx="552203" cy="381000"/>
+          </a:xfrm>
+          <a:prstGeom prst="rect">
+            <a:avLst/>
+          </a:prstGeom>
+        </p:spPr>
+        <p:style>
+          <a:lnRef idx="2">
+            <a:schemeClr val="accent1">
+              <a:shade val="50000"/>
+            </a:schemeClr>
+          </a:lnRef>
+          <a:fillRef idx="1">
+            <a:schemeClr val="accent1"/>
+          </a:fillRef>
+          <a:effectRef idx="0">
+            <a:schemeClr val="accent1"/>
+          </a:effectRef>
+          <a:fontRef idx="minor">
+            <a:schemeClr val="lt1"/>
+          </a:fontRef>
+        </p:style>
+        <p:txBody>
+          <a:bodyPr rtlCol="0" anchor="ctr"/>
+          <a:lstStyle/>
+          <a:p>
+            <a:pPr algn="ctr"/>
+            <a:r>
+              <a:rPr lang="en-US" sz="1000" dirty="0" smtClean="0"/>
+              <a:t>chains</a:t>
+            </a:r>
+            <a:endParaRPr lang="en-US" sz="1000" dirty="0"/>
+          </a:p>
+        </p:txBody>
+      </p:sp>
+      <p:sp>
+        <p:nvSpPr>
+          <p:cNvPr id="48" name="Rectangle 47"/>
+          <p:cNvSpPr/>
+          <p:nvPr/>
+        </p:nvSpPr>
+        <p:spPr>
+          <a:xfrm>
+            <a:off x="6934200" y="4722916"/>
             <a:ext cx="609600" cy="381000"/>
-          </a:xfrm>
-          <a:prstGeom prst="rect">
-            <a:avLst/>
-          </a:prstGeom>
-        </p:spPr>
-        <p:style>
-          <a:lnRef idx="2">
-            <a:schemeClr val="accent1">
-              <a:shade val="50000"/>
-            </a:schemeClr>
-          </a:lnRef>
-          <a:fillRef idx="1">
-            <a:schemeClr val="accent1"/>
-          </a:fillRef>
-          <a:effectRef idx="0">
-            <a:schemeClr val="accent1"/>
-          </a:effectRef>
-          <a:fontRef idx="minor">
-            <a:schemeClr val="lt1"/>
-          </a:fontRef>
-        </p:style>
-        <p:txBody>
-          <a:bodyPr rtlCol="0" anchor="ctr"/>
-          <a:lstStyle/>
-          <a:p>
-            <a:pPr algn="ctr"/>
-            <a:r>
-              <a:rPr lang="en-US" sz="1000" dirty="0" smtClean="0"/>
-              <a:t>broken</a:t>
-            </a:r>
-            <a:endParaRPr lang="en-US" sz="1000" dirty="0"/>
-          </a:p>
-        </p:txBody>
-      </p:sp>
-      <p:sp>
-        <p:nvSpPr>
-          <p:cNvPr id="43" name="Rectangle 42"/>
-          <p:cNvSpPr/>
-          <p:nvPr/>
-        </p:nvSpPr>
-        <p:spPr>
-          <a:xfrm>
-            <a:off x="4400797" y="4724400"/>
-            <a:ext cx="552203" cy="381000"/>
           </a:xfrm>
           <a:prstGeom prst="rect">
             <a:avLst/>
@@ -36441,7 +36761,7 @@
             <a:pPr algn="ctr"/>
             <a:r>
               <a:rPr lang="en-US" sz="1000" dirty="0" smtClean="0"/>
-              <a:t>and</a:t>
+              <a:t>unwind</a:t>
             </a:r>
             <a:endParaRPr lang="en-US" sz="1000" dirty="0"/>
           </a:p>
@@ -36449,14 +36769,14 @@
       </p:sp>
       <p:sp>
         <p:nvSpPr>
-          <p:cNvPr id="44" name="Rectangle 43"/>
-          <p:cNvSpPr/>
-          <p:nvPr/>
-        </p:nvSpPr>
-        <p:spPr>
-          <a:xfrm>
-            <a:off x="3733800" y="4724400"/>
-            <a:ext cx="457200" cy="381000"/>
+          <p:cNvPr id="49" name="Rectangle 48"/>
+          <p:cNvSpPr/>
+          <p:nvPr/>
+        </p:nvSpPr>
+        <p:spPr>
+          <a:xfrm>
+            <a:off x="7601197" y="4724400"/>
+            <a:ext cx="552203" cy="381000"/>
           </a:xfrm>
           <a:prstGeom prst="rect">
             <a:avLst/>
@@ -36497,7 +36817,7 @@
             <a:pPr algn="ctr"/>
             <a:r>
               <a:rPr lang="en-US" sz="1000" dirty="0" smtClean="0"/>
-              <a:t>,</a:t>
+              <a:t>and</a:t>
             </a:r>
             <a:endParaRPr lang="en-US" sz="1000" dirty="0"/>
           </a:p>
@@ -36505,14 +36825,14 @@
       </p:sp>
       <p:sp>
         <p:nvSpPr>
-          <p:cNvPr id="45" name="Rectangle 44"/>
-          <p:cNvSpPr/>
-          <p:nvPr/>
-        </p:nvSpPr>
-        <p:spPr>
-          <a:xfrm>
-            <a:off x="5010397" y="4724400"/>
-            <a:ext cx="552203" cy="381000"/>
+          <p:cNvPr id="50" name="Rectangle 49"/>
+          <p:cNvSpPr/>
+          <p:nvPr/>
+        </p:nvSpPr>
+        <p:spPr>
+          <a:xfrm>
+            <a:off x="8229600" y="4724400"/>
+            <a:ext cx="762000" cy="381000"/>
           </a:xfrm>
           <a:prstGeom prst="rect">
             <a:avLst/>
@@ -36529,262 +36849,6 @@
               </a:schemeClr>
             </a:solidFill>
           </a:ln>
-        </p:spPr>
-        <p:style>
-          <a:lnRef idx="2">
-            <a:schemeClr val="accent1">
-              <a:shade val="50000"/>
-            </a:schemeClr>
-          </a:lnRef>
-          <a:fillRef idx="1">
-            <a:schemeClr val="accent1"/>
-          </a:fillRef>
-          <a:effectRef idx="0">
-            <a:schemeClr val="accent1"/>
-          </a:effectRef>
-          <a:fontRef idx="minor">
-            <a:schemeClr val="lt1"/>
-          </a:fontRef>
-        </p:style>
-        <p:txBody>
-          <a:bodyPr rtlCol="0" anchor="ctr"/>
-          <a:lstStyle/>
-          <a:p>
-            <a:pPr algn="ctr"/>
-            <a:r>
-              <a:rPr lang="en-US" sz="1000" dirty="0" smtClean="0"/>
-              <a:t>the</a:t>
-            </a:r>
-            <a:endParaRPr lang="en-US" sz="1000" dirty="0"/>
-          </a:p>
-        </p:txBody>
-      </p:sp>
-      <p:sp>
-        <p:nvSpPr>
-          <p:cNvPr id="46" name="Rectangle 45"/>
-          <p:cNvSpPr/>
-          <p:nvPr/>
-        </p:nvSpPr>
-        <p:spPr>
-          <a:xfrm>
-            <a:off x="5619997" y="4724400"/>
-            <a:ext cx="552203" cy="381000"/>
-          </a:xfrm>
-          <a:prstGeom prst="rect">
-            <a:avLst/>
-          </a:prstGeom>
-          <a:solidFill>
-            <a:schemeClr val="bg1">
-              <a:lumMod val="75000"/>
-            </a:schemeClr>
-          </a:solidFill>
-          <a:ln>
-            <a:solidFill>
-              <a:schemeClr val="bg1">
-                <a:lumMod val="75000"/>
-              </a:schemeClr>
-            </a:solidFill>
-          </a:ln>
-        </p:spPr>
-        <p:style>
-          <a:lnRef idx="2">
-            <a:schemeClr val="accent1">
-              <a:shade val="50000"/>
-            </a:schemeClr>
-          </a:lnRef>
-          <a:fillRef idx="1">
-            <a:schemeClr val="accent1"/>
-          </a:fillRef>
-          <a:effectRef idx="0">
-            <a:schemeClr val="accent1"/>
-          </a:effectRef>
-          <a:fontRef idx="minor">
-            <a:schemeClr val="lt1"/>
-          </a:fontRef>
-        </p:style>
-        <p:txBody>
-          <a:bodyPr rtlCol="0" anchor="ctr"/>
-          <a:lstStyle/>
-          <a:p>
-            <a:pPr algn="ctr"/>
-            <a:r>
-              <a:rPr lang="en-US" sz="1000" dirty="0" smtClean="0"/>
-              <a:t>two</a:t>
-            </a:r>
-            <a:endParaRPr lang="en-US" sz="1000" dirty="0"/>
-          </a:p>
-        </p:txBody>
-      </p:sp>
-      <p:sp>
-        <p:nvSpPr>
-          <p:cNvPr id="47" name="Rectangle 46"/>
-          <p:cNvSpPr/>
-          <p:nvPr/>
-        </p:nvSpPr>
-        <p:spPr>
-          <a:xfrm>
-            <a:off x="6248400" y="4724400"/>
-            <a:ext cx="552203" cy="381000"/>
-          </a:xfrm>
-          <a:prstGeom prst="rect">
-            <a:avLst/>
-          </a:prstGeom>
-          <a:solidFill>
-            <a:schemeClr val="bg1">
-              <a:lumMod val="75000"/>
-            </a:schemeClr>
-          </a:solidFill>
-          <a:ln>
-            <a:solidFill>
-              <a:schemeClr val="bg1">
-                <a:lumMod val="75000"/>
-              </a:schemeClr>
-            </a:solidFill>
-          </a:ln>
-        </p:spPr>
-        <p:style>
-          <a:lnRef idx="2">
-            <a:schemeClr val="accent1">
-              <a:shade val="50000"/>
-            </a:schemeClr>
-          </a:lnRef>
-          <a:fillRef idx="1">
-            <a:schemeClr val="accent1"/>
-          </a:fillRef>
-          <a:effectRef idx="0">
-            <a:schemeClr val="accent1"/>
-          </a:effectRef>
-          <a:fontRef idx="minor">
-            <a:schemeClr val="lt1"/>
-          </a:fontRef>
-        </p:style>
-        <p:txBody>
-          <a:bodyPr rtlCol="0" anchor="ctr"/>
-          <a:lstStyle/>
-          <a:p>
-            <a:pPr algn="ctr"/>
-            <a:r>
-              <a:rPr lang="en-US" sz="1000" dirty="0" smtClean="0"/>
-              <a:t>chains</a:t>
-            </a:r>
-            <a:endParaRPr lang="en-US" sz="1000" dirty="0"/>
-          </a:p>
-        </p:txBody>
-      </p:sp>
-      <p:sp>
-        <p:nvSpPr>
-          <p:cNvPr id="48" name="Rectangle 47"/>
-          <p:cNvSpPr/>
-          <p:nvPr/>
-        </p:nvSpPr>
-        <p:spPr>
-          <a:xfrm>
-            <a:off x="6934200" y="4722916"/>
-            <a:ext cx="609600" cy="381000"/>
-          </a:xfrm>
-          <a:prstGeom prst="rect">
-            <a:avLst/>
-          </a:prstGeom>
-        </p:spPr>
-        <p:style>
-          <a:lnRef idx="2">
-            <a:schemeClr val="accent1">
-              <a:shade val="50000"/>
-            </a:schemeClr>
-          </a:lnRef>
-          <a:fillRef idx="1">
-            <a:schemeClr val="accent1"/>
-          </a:fillRef>
-          <a:effectRef idx="0">
-            <a:schemeClr val="accent1"/>
-          </a:effectRef>
-          <a:fontRef idx="minor">
-            <a:schemeClr val="lt1"/>
-          </a:fontRef>
-        </p:style>
-        <p:txBody>
-          <a:bodyPr rtlCol="0" anchor="ctr"/>
-          <a:lstStyle/>
-          <a:p>
-            <a:pPr algn="ctr"/>
-            <a:r>
-              <a:rPr lang="en-US" sz="1000" dirty="0" smtClean="0"/>
-              <a:t>unwind</a:t>
-            </a:r>
-            <a:endParaRPr lang="en-US" sz="1000" dirty="0"/>
-          </a:p>
-        </p:txBody>
-      </p:sp>
-      <p:sp>
-        <p:nvSpPr>
-          <p:cNvPr id="49" name="Rectangle 48"/>
-          <p:cNvSpPr/>
-          <p:nvPr/>
-        </p:nvSpPr>
-        <p:spPr>
-          <a:xfrm>
-            <a:off x="7601197" y="4724400"/>
-            <a:ext cx="552203" cy="381000"/>
-          </a:xfrm>
-          <a:prstGeom prst="rect">
-            <a:avLst/>
-          </a:prstGeom>
-          <a:solidFill>
-            <a:schemeClr val="bg1">
-              <a:lumMod val="75000"/>
-            </a:schemeClr>
-          </a:solidFill>
-          <a:ln>
-            <a:solidFill>
-              <a:schemeClr val="bg1">
-                <a:lumMod val="75000"/>
-              </a:schemeClr>
-            </a:solidFill>
-          </a:ln>
-        </p:spPr>
-        <p:style>
-          <a:lnRef idx="2">
-            <a:schemeClr val="accent1">
-              <a:shade val="50000"/>
-            </a:schemeClr>
-          </a:lnRef>
-          <a:fillRef idx="1">
-            <a:schemeClr val="accent1"/>
-          </a:fillRef>
-          <a:effectRef idx="0">
-            <a:schemeClr val="accent1"/>
-          </a:effectRef>
-          <a:fontRef idx="minor">
-            <a:schemeClr val="lt1"/>
-          </a:fontRef>
-        </p:style>
-        <p:txBody>
-          <a:bodyPr rtlCol="0" anchor="ctr"/>
-          <a:lstStyle/>
-          <a:p>
-            <a:pPr algn="ctr"/>
-            <a:r>
-              <a:rPr lang="en-US" sz="1000" dirty="0" smtClean="0"/>
-              <a:t>and</a:t>
-            </a:r>
-            <a:endParaRPr lang="en-US" sz="1000" dirty="0"/>
-          </a:p>
-        </p:txBody>
-      </p:sp>
-      <p:sp>
-        <p:nvSpPr>
-          <p:cNvPr id="50" name="Rectangle 49"/>
-          <p:cNvSpPr/>
-          <p:nvPr/>
-        </p:nvSpPr>
-        <p:spPr>
-          <a:xfrm>
-            <a:off x="8229600" y="4724400"/>
-            <a:ext cx="762000" cy="381000"/>
-          </a:xfrm>
-          <a:prstGeom prst="rect">
-            <a:avLst/>
-          </a:prstGeom>
         </p:spPr>
         <p:style>
           <a:lnRef idx="2">
@@ -38004,14 +38068,14 @@
       </p:cxnSp>
       <p:sp>
         <p:nvSpPr>
-          <p:cNvPr id="72" name="Trapezoid 71"/>
-          <p:cNvSpPr/>
-          <p:nvPr/>
-        </p:nvSpPr>
-        <p:spPr>
-          <a:xfrm>
-            <a:off x="2844426" y="4038600"/>
-            <a:ext cx="889374" cy="1447800"/>
+          <p:cNvPr id="3" name="Trapezoid 2"/>
+          <p:cNvSpPr/>
+          <p:nvPr/>
+        </p:nvSpPr>
+        <p:spPr>
+          <a:xfrm>
+            <a:off x="114300" y="3124200"/>
+            <a:ext cx="2247900" cy="2362199"/>
           </a:xfrm>
           <a:prstGeom prst="trapezoid">
             <a:avLst>
@@ -38019,104 +38083,7 @@
             </a:avLst>
           </a:prstGeom>
           <a:solidFill>
-            <a:schemeClr val="accent3">
-              <a:lumMod val="75000"/>
-              <a:alpha val="25000"/>
-            </a:schemeClr>
-          </a:solidFill>
-        </p:spPr>
-        <p:style>
-          <a:lnRef idx="2">
-            <a:schemeClr val="accent1">
-              <a:shade val="50000"/>
-            </a:schemeClr>
-          </a:lnRef>
-          <a:fillRef idx="1">
-            <a:schemeClr val="accent1"/>
-          </a:fillRef>
-          <a:effectRef idx="0">
-            <a:schemeClr val="accent1"/>
-          </a:effectRef>
-          <a:fontRef idx="minor">
-            <a:schemeClr val="lt1"/>
-          </a:fontRef>
-        </p:style>
-        <p:txBody>
-          <a:bodyPr rtlCol="0" anchor="ctr"/>
-          <a:lstStyle/>
-          <a:p>
-            <a:pPr algn="ctr"/>
-            <a:endParaRPr lang="en-US"/>
-          </a:p>
-        </p:txBody>
-      </p:sp>
-      <p:sp>
-        <p:nvSpPr>
-          <p:cNvPr id="74" name="Trapezoid 73"/>
-          <p:cNvSpPr/>
-          <p:nvPr/>
-        </p:nvSpPr>
-        <p:spPr>
-          <a:xfrm>
-            <a:off x="6800603" y="3520981"/>
-            <a:ext cx="889374" cy="1965419"/>
-          </a:xfrm>
-          <a:prstGeom prst="trapezoid">
-            <a:avLst>
-              <a:gd name="adj" fmla="val 8790"/>
-            </a:avLst>
-          </a:prstGeom>
-          <a:solidFill>
-            <a:schemeClr val="accent3">
-              <a:lumMod val="75000"/>
-              <a:alpha val="25000"/>
-            </a:schemeClr>
-          </a:solidFill>
-        </p:spPr>
-        <p:style>
-          <a:lnRef idx="2">
-            <a:schemeClr val="accent1">
-              <a:shade val="50000"/>
-            </a:schemeClr>
-          </a:lnRef>
-          <a:fillRef idx="1">
-            <a:schemeClr val="accent1"/>
-          </a:fillRef>
-          <a:effectRef idx="0">
-            <a:schemeClr val="accent1"/>
-          </a:effectRef>
-          <a:fontRef idx="minor">
-            <a:schemeClr val="lt1"/>
-          </a:fontRef>
-        </p:style>
-        <p:txBody>
-          <a:bodyPr rtlCol="0" anchor="ctr"/>
-          <a:lstStyle/>
-          <a:p>
-            <a:pPr algn="ctr"/>
-            <a:endParaRPr lang="en-US"/>
-          </a:p>
-        </p:txBody>
-      </p:sp>
-      <p:sp>
-        <p:nvSpPr>
-          <p:cNvPr id="75" name="Trapezoid 74"/>
-          <p:cNvSpPr/>
-          <p:nvPr/>
-        </p:nvSpPr>
-        <p:spPr>
-          <a:xfrm>
-            <a:off x="8153400" y="3520981"/>
-            <a:ext cx="889374" cy="1965419"/>
-          </a:xfrm>
-          <a:prstGeom prst="trapezoid">
-            <a:avLst>
-              <a:gd name="adj" fmla="val 8790"/>
-            </a:avLst>
-          </a:prstGeom>
-          <a:solidFill>
-            <a:schemeClr val="accent3">
-              <a:lumMod val="75000"/>
+            <a:schemeClr val="accent1">
               <a:alpha val="25000"/>
             </a:schemeClr>
           </a:solidFill>
@@ -38149,7 +38116,7 @@
     </p:spTree>
     <p:extLst>
       <p:ext uri="{BB962C8B-B14F-4D97-AF65-F5344CB8AC3E}">
-        <p14:creationId xmlns:p14="http://schemas.microsoft.com/office/powerpoint/2010/main" val="1514828840"/>
+        <p14:creationId xmlns:p14="http://schemas.microsoft.com/office/powerpoint/2010/main" val="1774778964"/>
       </p:ext>
     </p:extLst>
   </p:cSld>

--- a/Presentation/Anubhai Philip Scaria.pptx
+++ b/Presentation/Anubhai Philip Scaria.pptx
@@ -3160,7 +3160,9 @@
         </p:nvSpPr>
         <p:spPr/>
         <p:txBody>
-          <a:bodyPr/>
+          <a:bodyPr>
+            <a:normAutofit fontScale="70000" lnSpcReduction="20000"/>
+          </a:bodyPr>
           <a:lstStyle/>
           <a:p>
             <a:r>
@@ -3203,9 +3205,54 @@
           <a:p>
             <a:r>
               <a:rPr lang="en-US" dirty="0" smtClean="0"/>
-              <a:t>Rose Marie Philip</a:t>
-            </a:r>
-            <a:endParaRPr lang="en-US" dirty="0"/>
+              <a:t>Rose Marie </a:t>
+            </a:r>
+            <a:r>
+              <a:rPr lang="en-US" dirty="0" smtClean="0"/>
+              <a:t>Philip</a:t>
+            </a:r>
+          </a:p>
+          <a:p>
+            <a:endParaRPr lang="en-US" dirty="0" smtClean="0"/>
+          </a:p>
+          <a:p>
+            <a:r>
+              <a:rPr lang="en-US" i="1" dirty="0" smtClean="0">
+                <a:solidFill>
+                  <a:schemeClr val="tx1"/>
+                </a:solidFill>
+              </a:rPr>
+              <a:t>Guided by – Jonathan </a:t>
+            </a:r>
+            <a:r>
+              <a:rPr lang="en-US" i="1" dirty="0" err="1" smtClean="0">
+                <a:solidFill>
+                  <a:schemeClr val="tx1"/>
+                </a:solidFill>
+              </a:rPr>
+              <a:t>Berant</a:t>
+            </a:r>
+            <a:r>
+              <a:rPr lang="en-US" i="1" dirty="0" smtClean="0">
+                <a:solidFill>
+                  <a:schemeClr val="tx1"/>
+                </a:solidFill>
+              </a:rPr>
+              <a:t>, Post Doc in </a:t>
+            </a:r>
+            <a:r>
+              <a:rPr lang="en-US" i="1" smtClean="0">
+                <a:solidFill>
+                  <a:schemeClr val="tx1"/>
+                </a:solidFill>
+              </a:rPr>
+              <a:t>NLP Group</a:t>
+            </a:r>
+            <a:endParaRPr lang="en-US" i="1" dirty="0">
+              <a:solidFill>
+                <a:schemeClr val="tx1"/>
+              </a:solidFill>
+            </a:endParaRPr>
           </a:p>
         </p:txBody>
       </p:sp>
